--- a/Presentation_Group_6.pptx
+++ b/Presentation_Group_6.pptx
@@ -5783,7 +5783,7 @@
                   <a:srgbClr val="0070C0"/>
                 </a:solidFill>
               </a:rPr>
-              <a:t> ER </a:t>
+              <a:t> BA </a:t>
             </a:r>
             <a:r>
               <a:rPr lang="it-IT" sz="2400" dirty="0"/>
@@ -7015,7 +7015,7 @@
             </a:pPr>
             <a:r>
               <a:rPr lang="it-IT" sz="1800" dirty="0"/>
-              <a:t>Solo il 20% delle possibili triadi nel grafo sono effettivamente chiuse. Se scegliamo tre nodi casuali che formano una "V" (un cammino di due passi), c'è una probabilità del 20% che quei tre nodi formano effettivamente un triangolo (cioè, che il terzo nodo sia connesso direttamente al primo nodo). Un valore di transitività di 0,2 indica che il grafo ha una bassa densità di triadi chiuse.</a:t>
+              <a:t>Solo il 20% delle possibili triadi nel grafo sono effettivamente chiuse. Se scegliamo tre nodi casuali che formano una "V" (un cammino di due passi), c'è una probabilità del 20% che quei tre nodi formano effettivamente un triangolo (cioè, che il terzo nodo sia connesso direttamente al primo nodo). Un valore di transitività di 0,2 indica che il grafo ha una bassa densità di triadi chiuse</a:t>
             </a:r>
           </a:p>
           <a:p>
@@ -7039,7 +7039,7 @@
             </a:pPr>
             <a:r>
               <a:rPr lang="it-IT" sz="1800" dirty="0"/>
-              <a:t>Un valore medio di 0,6 indica che, in media, il 60% delle possibili connessioni tra i vicini di ogni nodo esistono effettivamente. Questo è considerato un valore relativamente alto.</a:t>
+              <a:t>Un valore medio di 0,6 indica che, in media, il 60% delle possibili connessioni tra i vicini di ogni nodo esistono effettivamente. Questo è considerato un valore relativamente alto</a:t>
             </a:r>
           </a:p>
         </p:txBody>
@@ -7291,7 +7291,7 @@
             </a:r>
             <a:r>
               <a:rPr lang="it-IT" sz="1400" dirty="0"/>
-              <a:t>indica che i nodi più importanti in termini di intermediazione nei percorsi sono anche quelli più vicini al resto della rete.</a:t>
+              <a:t>indica che i nodi più importanti in termini di intermediazione nei percorsi sono anche quelli più vicini al resto della rete</a:t>
             </a:r>
           </a:p>
           <a:p>
@@ -7336,7 +7336,7 @@
             </a:r>
             <a:r>
               <a:rPr lang="it-IT" sz="1400" dirty="0"/>
-              <a:t>che i nodi con un alto grado (cioè, quelli con molte connessioni dirette) non necessariamente sono quelli che possono raggiungere rapidamente tutti gli altri nodi della rete.</a:t>
+              <a:t>che i nodi con un alto grado (cioè, quelli con molte connessioni dirette) non necessariamente sono quelli che possono raggiungere rapidamente tutti gli altri nodi della rete</a:t>
             </a:r>
           </a:p>
         </p:txBody>

--- a/Presentation_Group_6.pptx
+++ b/Presentation_Group_6.pptx
@@ -4,6 +4,9 @@
   <p:sldMasterIdLst>
     <p:sldMasterId id="2147483648" r:id="rId1"/>
   </p:sldMasterIdLst>
+  <p:notesMasterIdLst>
+    <p:notesMasterId r:id="rId22"/>
+  </p:notesMasterIdLst>
   <p:sldIdLst>
     <p:sldId id="256" r:id="rId2"/>
     <p:sldId id="257" r:id="rId3"/>
@@ -19,7 +22,12 @@
     <p:sldId id="268" r:id="rId13"/>
     <p:sldId id="269" r:id="rId14"/>
     <p:sldId id="270" r:id="rId15"/>
-    <p:sldId id="271" r:id="rId16"/>
+    <p:sldId id="272" r:id="rId16"/>
+    <p:sldId id="271" r:id="rId17"/>
+    <p:sldId id="273" r:id="rId18"/>
+    <p:sldId id="274" r:id="rId19"/>
+    <p:sldId id="275" r:id="rId20"/>
+    <p:sldId id="276" r:id="rId21"/>
   </p:sldIdLst>
   <p:sldSz cx="12192000" cy="6858000"/>
   <p:notesSz cx="6858000" cy="9144000"/>
@@ -948,6 +956,523 @@
 </pc:chgInfo>
 </file>
 
+<file path=ppt/notesMasters/notesMaster1.xml><?xml version="1.0" encoding="utf-8"?>
+<p:notesMaster xmlns:a="http://schemas.openxmlformats.org/drawingml/2006/main" xmlns:r="http://schemas.openxmlformats.org/officeDocument/2006/relationships" xmlns:p="http://schemas.openxmlformats.org/presentationml/2006/main">
+  <p:cSld>
+    <p:bg>
+      <p:bgRef idx="1001">
+        <a:schemeClr val="bg1"/>
+      </p:bgRef>
+    </p:bg>
+    <p:spTree>
+      <p:nvGrpSpPr>
+        <p:cNvPr id="1" name=""/>
+        <p:cNvGrpSpPr/>
+        <p:nvPr/>
+      </p:nvGrpSpPr>
+      <p:grpSpPr>
+        <a:xfrm>
+          <a:off x="0" y="0"/>
+          <a:ext cx="0" cy="0"/>
+          <a:chOff x="0" y="0"/>
+          <a:chExt cx="0" cy="0"/>
+        </a:xfrm>
+      </p:grpSpPr>
+      <p:sp>
+        <p:nvSpPr>
+          <p:cNvPr id="2" name="Segnaposto intestazione 1"/>
+          <p:cNvSpPr>
+            <a:spLocks noGrp="1"/>
+          </p:cNvSpPr>
+          <p:nvPr>
+            <p:ph type="hdr" sz="quarter"/>
+          </p:nvPr>
+        </p:nvSpPr>
+        <p:spPr>
+          <a:xfrm>
+            <a:off x="0" y="0"/>
+            <a:ext cx="2971800" cy="458788"/>
+          </a:xfrm>
+          <a:prstGeom prst="rect">
+            <a:avLst/>
+          </a:prstGeom>
+        </p:spPr>
+        <p:txBody>
+          <a:bodyPr vert="horz" lIns="91440" tIns="45720" rIns="91440" bIns="45720" rtlCol="0"/>
+          <a:lstStyle>
+            <a:lvl1pPr algn="l">
+              <a:defRPr sz="1200"/>
+            </a:lvl1pPr>
+          </a:lstStyle>
+          <a:p>
+            <a:endParaRPr lang="it-IT"/>
+          </a:p>
+        </p:txBody>
+      </p:sp>
+      <p:sp>
+        <p:nvSpPr>
+          <p:cNvPr id="3" name="Segnaposto data 2"/>
+          <p:cNvSpPr>
+            <a:spLocks noGrp="1"/>
+          </p:cNvSpPr>
+          <p:nvPr>
+            <p:ph type="dt" idx="1"/>
+          </p:nvPr>
+        </p:nvSpPr>
+        <p:spPr>
+          <a:xfrm>
+            <a:off x="3884613" y="0"/>
+            <a:ext cx="2971800" cy="458788"/>
+          </a:xfrm>
+          <a:prstGeom prst="rect">
+            <a:avLst/>
+          </a:prstGeom>
+        </p:spPr>
+        <p:txBody>
+          <a:bodyPr vert="horz" lIns="91440" tIns="45720" rIns="91440" bIns="45720" rtlCol="0"/>
+          <a:lstStyle>
+            <a:lvl1pPr algn="r">
+              <a:defRPr sz="1200"/>
+            </a:lvl1pPr>
+          </a:lstStyle>
+          <a:p>
+            <a:fld id="{41C9D4F0-F449-4346-9603-92ED730A6AF6}" type="datetimeFigureOut">
+              <a:rPr lang="it-IT" smtClean="0"/>
+              <a:t>29/06/2024</a:t>
+            </a:fld>
+            <a:endParaRPr lang="it-IT"/>
+          </a:p>
+        </p:txBody>
+      </p:sp>
+      <p:sp>
+        <p:nvSpPr>
+          <p:cNvPr id="4" name="Segnaposto immagine diapositiva 3"/>
+          <p:cNvSpPr>
+            <a:spLocks noGrp="1" noRot="1" noChangeAspect="1"/>
+          </p:cNvSpPr>
+          <p:nvPr>
+            <p:ph type="sldImg" idx="2"/>
+          </p:nvPr>
+        </p:nvSpPr>
+        <p:spPr>
+          <a:xfrm>
+            <a:off x="685800" y="1143000"/>
+            <a:ext cx="5486400" cy="3086100"/>
+          </a:xfrm>
+          <a:prstGeom prst="rect">
+            <a:avLst/>
+          </a:prstGeom>
+          <a:noFill/>
+          <a:ln w="12700">
+            <a:solidFill>
+              <a:prstClr val="black"/>
+            </a:solidFill>
+          </a:ln>
+        </p:spPr>
+        <p:txBody>
+          <a:bodyPr vert="horz" lIns="91440" tIns="45720" rIns="91440" bIns="45720" rtlCol="0" anchor="ctr"/>
+          <a:lstStyle/>
+          <a:p>
+            <a:endParaRPr lang="it-IT"/>
+          </a:p>
+        </p:txBody>
+      </p:sp>
+      <p:sp>
+        <p:nvSpPr>
+          <p:cNvPr id="5" name="Segnaposto note 4"/>
+          <p:cNvSpPr>
+            <a:spLocks noGrp="1"/>
+          </p:cNvSpPr>
+          <p:nvPr>
+            <p:ph type="body" sz="quarter" idx="3"/>
+          </p:nvPr>
+        </p:nvSpPr>
+        <p:spPr>
+          <a:xfrm>
+            <a:off x="685800" y="4400550"/>
+            <a:ext cx="5486400" cy="3600450"/>
+          </a:xfrm>
+          <a:prstGeom prst="rect">
+            <a:avLst/>
+          </a:prstGeom>
+        </p:spPr>
+        <p:txBody>
+          <a:bodyPr vert="horz" lIns="91440" tIns="45720" rIns="91440" bIns="45720" rtlCol="0"/>
+          <a:lstStyle/>
+          <a:p>
+            <a:pPr lvl="0"/>
+            <a:r>
+              <a:rPr lang="it-IT"/>
+              <a:t>Fare clic per modificare gli stili del testo dello schema</a:t>
+            </a:r>
+          </a:p>
+          <a:p>
+            <a:pPr lvl="1"/>
+            <a:r>
+              <a:rPr lang="it-IT"/>
+              <a:t>Secondo livello</a:t>
+            </a:r>
+          </a:p>
+          <a:p>
+            <a:pPr lvl="2"/>
+            <a:r>
+              <a:rPr lang="it-IT"/>
+              <a:t>Terzo livello</a:t>
+            </a:r>
+          </a:p>
+          <a:p>
+            <a:pPr lvl="3"/>
+            <a:r>
+              <a:rPr lang="it-IT"/>
+              <a:t>Quarto livello</a:t>
+            </a:r>
+          </a:p>
+          <a:p>
+            <a:pPr lvl="4"/>
+            <a:r>
+              <a:rPr lang="it-IT"/>
+              <a:t>Quinto livello</a:t>
+            </a:r>
+          </a:p>
+        </p:txBody>
+      </p:sp>
+      <p:sp>
+        <p:nvSpPr>
+          <p:cNvPr id="6" name="Segnaposto piè di pagina 5"/>
+          <p:cNvSpPr>
+            <a:spLocks noGrp="1"/>
+          </p:cNvSpPr>
+          <p:nvPr>
+            <p:ph type="ftr" sz="quarter" idx="4"/>
+          </p:nvPr>
+        </p:nvSpPr>
+        <p:spPr>
+          <a:xfrm>
+            <a:off x="0" y="8685213"/>
+            <a:ext cx="2971800" cy="458787"/>
+          </a:xfrm>
+          <a:prstGeom prst="rect">
+            <a:avLst/>
+          </a:prstGeom>
+        </p:spPr>
+        <p:txBody>
+          <a:bodyPr vert="horz" lIns="91440" tIns="45720" rIns="91440" bIns="45720" rtlCol="0" anchor="b"/>
+          <a:lstStyle>
+            <a:lvl1pPr algn="l">
+              <a:defRPr sz="1200"/>
+            </a:lvl1pPr>
+          </a:lstStyle>
+          <a:p>
+            <a:endParaRPr lang="it-IT"/>
+          </a:p>
+        </p:txBody>
+      </p:sp>
+      <p:sp>
+        <p:nvSpPr>
+          <p:cNvPr id="7" name="Segnaposto numero diapositiva 6"/>
+          <p:cNvSpPr>
+            <a:spLocks noGrp="1"/>
+          </p:cNvSpPr>
+          <p:nvPr>
+            <p:ph type="sldNum" sz="quarter" idx="5"/>
+          </p:nvPr>
+        </p:nvSpPr>
+        <p:spPr>
+          <a:xfrm>
+            <a:off x="3884613" y="8685213"/>
+            <a:ext cx="2971800" cy="458787"/>
+          </a:xfrm>
+          <a:prstGeom prst="rect">
+            <a:avLst/>
+          </a:prstGeom>
+        </p:spPr>
+        <p:txBody>
+          <a:bodyPr vert="horz" lIns="91440" tIns="45720" rIns="91440" bIns="45720" rtlCol="0" anchor="b"/>
+          <a:lstStyle>
+            <a:lvl1pPr algn="r">
+              <a:defRPr sz="1200"/>
+            </a:lvl1pPr>
+          </a:lstStyle>
+          <a:p>
+            <a:fld id="{827A5EB5-EB62-4047-91ED-45520A7DA98D}" type="slidenum">
+              <a:rPr lang="it-IT" smtClean="0"/>
+              <a:t>‹N›</a:t>
+            </a:fld>
+            <a:endParaRPr lang="it-IT"/>
+          </a:p>
+        </p:txBody>
+      </p:sp>
+    </p:spTree>
+    <p:extLst>
+      <p:ext uri="{BB962C8B-B14F-4D97-AF65-F5344CB8AC3E}">
+        <p14:creationId xmlns:p14="http://schemas.microsoft.com/office/powerpoint/2010/main" val="3222748436"/>
+      </p:ext>
+    </p:extLst>
+  </p:cSld>
+  <p:clrMap bg1="lt1" tx1="dk1" bg2="lt2" tx2="dk2" accent1="accent1" accent2="accent2" accent3="accent3" accent4="accent4" accent5="accent5" accent6="accent6" hlink="hlink" folHlink="folHlink"/>
+  <p:notesStyle>
+    <a:lvl1pPr marL="0" algn="l" defTabSz="914400" rtl="0" eaLnBrk="1" latinLnBrk="0" hangingPunct="1">
+      <a:defRPr sz="1200" kern="1200">
+        <a:solidFill>
+          <a:schemeClr val="tx1"/>
+        </a:solidFill>
+        <a:latin typeface="+mn-lt"/>
+        <a:ea typeface="+mn-ea"/>
+        <a:cs typeface="+mn-cs"/>
+      </a:defRPr>
+    </a:lvl1pPr>
+    <a:lvl2pPr marL="457200" algn="l" defTabSz="914400" rtl="0" eaLnBrk="1" latinLnBrk="0" hangingPunct="1">
+      <a:defRPr sz="1200" kern="1200">
+        <a:solidFill>
+          <a:schemeClr val="tx1"/>
+        </a:solidFill>
+        <a:latin typeface="+mn-lt"/>
+        <a:ea typeface="+mn-ea"/>
+        <a:cs typeface="+mn-cs"/>
+      </a:defRPr>
+    </a:lvl2pPr>
+    <a:lvl3pPr marL="914400" algn="l" defTabSz="914400" rtl="0" eaLnBrk="1" latinLnBrk="0" hangingPunct="1">
+      <a:defRPr sz="1200" kern="1200">
+        <a:solidFill>
+          <a:schemeClr val="tx1"/>
+        </a:solidFill>
+        <a:latin typeface="+mn-lt"/>
+        <a:ea typeface="+mn-ea"/>
+        <a:cs typeface="+mn-cs"/>
+      </a:defRPr>
+    </a:lvl3pPr>
+    <a:lvl4pPr marL="1371600" algn="l" defTabSz="914400" rtl="0" eaLnBrk="1" latinLnBrk="0" hangingPunct="1">
+      <a:defRPr sz="1200" kern="1200">
+        <a:solidFill>
+          <a:schemeClr val="tx1"/>
+        </a:solidFill>
+        <a:latin typeface="+mn-lt"/>
+        <a:ea typeface="+mn-ea"/>
+        <a:cs typeface="+mn-cs"/>
+      </a:defRPr>
+    </a:lvl4pPr>
+    <a:lvl5pPr marL="1828800" algn="l" defTabSz="914400" rtl="0" eaLnBrk="1" latinLnBrk="0" hangingPunct="1">
+      <a:defRPr sz="1200" kern="1200">
+        <a:solidFill>
+          <a:schemeClr val="tx1"/>
+        </a:solidFill>
+        <a:latin typeface="+mn-lt"/>
+        <a:ea typeface="+mn-ea"/>
+        <a:cs typeface="+mn-cs"/>
+      </a:defRPr>
+    </a:lvl5pPr>
+    <a:lvl6pPr marL="2286000" algn="l" defTabSz="914400" rtl="0" eaLnBrk="1" latinLnBrk="0" hangingPunct="1">
+      <a:defRPr sz="1200" kern="1200">
+        <a:solidFill>
+          <a:schemeClr val="tx1"/>
+        </a:solidFill>
+        <a:latin typeface="+mn-lt"/>
+        <a:ea typeface="+mn-ea"/>
+        <a:cs typeface="+mn-cs"/>
+      </a:defRPr>
+    </a:lvl6pPr>
+    <a:lvl7pPr marL="2743200" algn="l" defTabSz="914400" rtl="0" eaLnBrk="1" latinLnBrk="0" hangingPunct="1">
+      <a:defRPr sz="1200" kern="1200">
+        <a:solidFill>
+          <a:schemeClr val="tx1"/>
+        </a:solidFill>
+        <a:latin typeface="+mn-lt"/>
+        <a:ea typeface="+mn-ea"/>
+        <a:cs typeface="+mn-cs"/>
+      </a:defRPr>
+    </a:lvl7pPr>
+    <a:lvl8pPr marL="3200400" algn="l" defTabSz="914400" rtl="0" eaLnBrk="1" latinLnBrk="0" hangingPunct="1">
+      <a:defRPr sz="1200" kern="1200">
+        <a:solidFill>
+          <a:schemeClr val="tx1"/>
+        </a:solidFill>
+        <a:latin typeface="+mn-lt"/>
+        <a:ea typeface="+mn-ea"/>
+        <a:cs typeface="+mn-cs"/>
+      </a:defRPr>
+    </a:lvl8pPr>
+    <a:lvl9pPr marL="3657600" algn="l" defTabSz="914400" rtl="0" eaLnBrk="1" latinLnBrk="0" hangingPunct="1">
+      <a:defRPr sz="1200" kern="1200">
+        <a:solidFill>
+          <a:schemeClr val="tx1"/>
+        </a:solidFill>
+        <a:latin typeface="+mn-lt"/>
+        <a:ea typeface="+mn-ea"/>
+        <a:cs typeface="+mn-cs"/>
+      </a:defRPr>
+    </a:lvl9pPr>
+  </p:notesStyle>
+</p:notesMaster>
+</file>
+
+<file path=ppt/notesSlides/notesSlide1.xml><?xml version="1.0" encoding="utf-8"?>
+<p:notes xmlns:a="http://schemas.openxmlformats.org/drawingml/2006/main" xmlns:r="http://schemas.openxmlformats.org/officeDocument/2006/relationships" xmlns:p="http://schemas.openxmlformats.org/presentationml/2006/main">
+  <p:cSld>
+    <p:spTree>
+      <p:nvGrpSpPr>
+        <p:cNvPr id="1" name=""/>
+        <p:cNvGrpSpPr/>
+        <p:nvPr/>
+      </p:nvGrpSpPr>
+      <p:grpSpPr>
+        <a:xfrm>
+          <a:off x="0" y="0"/>
+          <a:ext cx="0" cy="0"/>
+          <a:chOff x="0" y="0"/>
+          <a:chExt cx="0" cy="0"/>
+        </a:xfrm>
+      </p:grpSpPr>
+      <p:sp>
+        <p:nvSpPr>
+          <p:cNvPr id="2" name="Segnaposto immagine diapositiva 1"/>
+          <p:cNvSpPr>
+            <a:spLocks noGrp="1" noRot="1" noChangeAspect="1"/>
+          </p:cNvSpPr>
+          <p:nvPr>
+            <p:ph type="sldImg"/>
+          </p:nvPr>
+        </p:nvSpPr>
+        <p:spPr/>
+      </p:sp>
+      <p:sp>
+        <p:nvSpPr>
+          <p:cNvPr id="3" name="Segnaposto note 2"/>
+          <p:cNvSpPr>
+            <a:spLocks noGrp="1"/>
+          </p:cNvSpPr>
+          <p:nvPr>
+            <p:ph type="body" idx="1"/>
+          </p:nvPr>
+        </p:nvSpPr>
+        <p:spPr/>
+        <p:txBody>
+          <a:bodyPr/>
+          <a:lstStyle/>
+          <a:p>
+            <a:endParaRPr lang="it-IT" dirty="0"/>
+          </a:p>
+        </p:txBody>
+      </p:sp>
+      <p:sp>
+        <p:nvSpPr>
+          <p:cNvPr id="4" name="Segnaposto numero diapositiva 3"/>
+          <p:cNvSpPr>
+            <a:spLocks noGrp="1"/>
+          </p:cNvSpPr>
+          <p:nvPr>
+            <p:ph type="sldNum" sz="quarter" idx="5"/>
+          </p:nvPr>
+        </p:nvSpPr>
+        <p:spPr/>
+        <p:txBody>
+          <a:bodyPr/>
+          <a:lstStyle/>
+          <a:p>
+            <a:fld id="{827A5EB5-EB62-4047-91ED-45520A7DA98D}" type="slidenum">
+              <a:rPr lang="it-IT" smtClean="0"/>
+              <a:t>19</a:t>
+            </a:fld>
+            <a:endParaRPr lang="it-IT"/>
+          </a:p>
+        </p:txBody>
+      </p:sp>
+    </p:spTree>
+    <p:extLst>
+      <p:ext uri="{BB962C8B-B14F-4D97-AF65-F5344CB8AC3E}">
+        <p14:creationId xmlns:p14="http://schemas.microsoft.com/office/powerpoint/2010/main" val="2852963"/>
+      </p:ext>
+    </p:extLst>
+  </p:cSld>
+  <p:clrMapOvr>
+    <a:masterClrMapping/>
+  </p:clrMapOvr>
+</p:notes>
+</file>
+
+<file path=ppt/notesSlides/notesSlide2.xml><?xml version="1.0" encoding="utf-8"?>
+<p:notes xmlns:a="http://schemas.openxmlformats.org/drawingml/2006/main" xmlns:r="http://schemas.openxmlformats.org/officeDocument/2006/relationships" xmlns:p="http://schemas.openxmlformats.org/presentationml/2006/main">
+  <p:cSld>
+    <p:spTree>
+      <p:nvGrpSpPr>
+        <p:cNvPr id="1" name=""/>
+        <p:cNvGrpSpPr/>
+        <p:nvPr/>
+      </p:nvGrpSpPr>
+      <p:grpSpPr>
+        <a:xfrm>
+          <a:off x="0" y="0"/>
+          <a:ext cx="0" cy="0"/>
+          <a:chOff x="0" y="0"/>
+          <a:chExt cx="0" cy="0"/>
+        </a:xfrm>
+      </p:grpSpPr>
+      <p:sp>
+        <p:nvSpPr>
+          <p:cNvPr id="2" name="Segnaposto immagine diapositiva 1"/>
+          <p:cNvSpPr>
+            <a:spLocks noGrp="1" noRot="1" noChangeAspect="1"/>
+          </p:cNvSpPr>
+          <p:nvPr>
+            <p:ph type="sldImg"/>
+          </p:nvPr>
+        </p:nvSpPr>
+        <p:spPr/>
+      </p:sp>
+      <p:sp>
+        <p:nvSpPr>
+          <p:cNvPr id="3" name="Segnaposto note 2"/>
+          <p:cNvSpPr>
+            <a:spLocks noGrp="1"/>
+          </p:cNvSpPr>
+          <p:nvPr>
+            <p:ph type="body" idx="1"/>
+          </p:nvPr>
+        </p:nvSpPr>
+        <p:spPr/>
+        <p:txBody>
+          <a:bodyPr/>
+          <a:lstStyle/>
+          <a:p>
+            <a:endParaRPr lang="it-IT" dirty="0"/>
+          </a:p>
+        </p:txBody>
+      </p:sp>
+      <p:sp>
+        <p:nvSpPr>
+          <p:cNvPr id="4" name="Segnaposto numero diapositiva 3"/>
+          <p:cNvSpPr>
+            <a:spLocks noGrp="1"/>
+          </p:cNvSpPr>
+          <p:nvPr>
+            <p:ph type="sldNum" sz="quarter" idx="5"/>
+          </p:nvPr>
+        </p:nvSpPr>
+        <p:spPr/>
+        <p:txBody>
+          <a:bodyPr/>
+          <a:lstStyle/>
+          <a:p>
+            <a:fld id="{827A5EB5-EB62-4047-91ED-45520A7DA98D}" type="slidenum">
+              <a:rPr lang="it-IT" smtClean="0"/>
+              <a:t>20</a:t>
+            </a:fld>
+            <a:endParaRPr lang="it-IT"/>
+          </a:p>
+        </p:txBody>
+      </p:sp>
+    </p:spTree>
+    <p:extLst>
+      <p:ext uri="{BB962C8B-B14F-4D97-AF65-F5344CB8AC3E}">
+        <p14:creationId xmlns:p14="http://schemas.microsoft.com/office/powerpoint/2010/main" val="1501739325"/>
+      </p:ext>
+    </p:extLst>
+  </p:cSld>
+  <p:clrMapOvr>
+    <a:masterClrMapping/>
+  </p:clrMapOvr>
+</p:notes>
+</file>
+
 <file path=ppt/slideLayouts/slideLayout1.xml><?xml version="1.0" encoding="utf-8"?>
 <p:sldLayout xmlns:a="http://schemas.openxmlformats.org/drawingml/2006/main" xmlns:r="http://schemas.openxmlformats.org/officeDocument/2006/relationships" xmlns:p="http://schemas.openxmlformats.org/presentationml/2006/main" type="title" preserve="1">
   <p:cSld name="Diapositiva titolo">
@@ -1095,7 +1620,7 @@
           <a:p>
             <a:fld id="{7ED2B993-C4C1-41C6-8C99-445819C1984D}" type="datetimeFigureOut">
               <a:rPr lang="it-IT" smtClean="0"/>
-              <a:t>28/06/2024</a:t>
+              <a:t>29/06/2024</a:t>
             </a:fld>
             <a:endParaRPr lang="it-IT"/>
           </a:p>
@@ -1293,7 +1818,7 @@
           <a:p>
             <a:fld id="{7ED2B993-C4C1-41C6-8C99-445819C1984D}" type="datetimeFigureOut">
               <a:rPr lang="it-IT" smtClean="0"/>
-              <a:t>28/06/2024</a:t>
+              <a:t>29/06/2024</a:t>
             </a:fld>
             <a:endParaRPr lang="it-IT"/>
           </a:p>
@@ -1501,7 +2026,7 @@
           <a:p>
             <a:fld id="{7ED2B993-C4C1-41C6-8C99-445819C1984D}" type="datetimeFigureOut">
               <a:rPr lang="it-IT" smtClean="0"/>
-              <a:t>28/06/2024</a:t>
+              <a:t>29/06/2024</a:t>
             </a:fld>
             <a:endParaRPr lang="it-IT"/>
           </a:p>
@@ -1699,7 +2224,7 @@
           <a:p>
             <a:fld id="{7ED2B993-C4C1-41C6-8C99-445819C1984D}" type="datetimeFigureOut">
               <a:rPr lang="it-IT" smtClean="0"/>
-              <a:t>28/06/2024</a:t>
+              <a:t>29/06/2024</a:t>
             </a:fld>
             <a:endParaRPr lang="it-IT"/>
           </a:p>
@@ -1974,7 +2499,7 @@
           <a:p>
             <a:fld id="{7ED2B993-C4C1-41C6-8C99-445819C1984D}" type="datetimeFigureOut">
               <a:rPr lang="it-IT" smtClean="0"/>
-              <a:t>28/06/2024</a:t>
+              <a:t>29/06/2024</a:t>
             </a:fld>
             <a:endParaRPr lang="it-IT"/>
           </a:p>
@@ -2239,7 +2764,7 @@
           <a:p>
             <a:fld id="{7ED2B993-C4C1-41C6-8C99-445819C1984D}" type="datetimeFigureOut">
               <a:rPr lang="it-IT" smtClean="0"/>
-              <a:t>28/06/2024</a:t>
+              <a:t>29/06/2024</a:t>
             </a:fld>
             <a:endParaRPr lang="it-IT"/>
           </a:p>
@@ -2651,7 +3176,7 @@
           <a:p>
             <a:fld id="{7ED2B993-C4C1-41C6-8C99-445819C1984D}" type="datetimeFigureOut">
               <a:rPr lang="it-IT" smtClean="0"/>
-              <a:t>28/06/2024</a:t>
+              <a:t>29/06/2024</a:t>
             </a:fld>
             <a:endParaRPr lang="it-IT"/>
           </a:p>
@@ -2792,7 +3317,7 @@
           <a:p>
             <a:fld id="{7ED2B993-C4C1-41C6-8C99-445819C1984D}" type="datetimeFigureOut">
               <a:rPr lang="it-IT" smtClean="0"/>
-              <a:t>28/06/2024</a:t>
+              <a:t>29/06/2024</a:t>
             </a:fld>
             <a:endParaRPr lang="it-IT"/>
           </a:p>
@@ -2905,7 +3430,7 @@
           <a:p>
             <a:fld id="{7ED2B993-C4C1-41C6-8C99-445819C1984D}" type="datetimeFigureOut">
               <a:rPr lang="it-IT" smtClean="0"/>
-              <a:t>28/06/2024</a:t>
+              <a:t>29/06/2024</a:t>
             </a:fld>
             <a:endParaRPr lang="it-IT"/>
           </a:p>
@@ -3216,7 +3741,7 @@
           <a:p>
             <a:fld id="{7ED2B993-C4C1-41C6-8C99-445819C1984D}" type="datetimeFigureOut">
               <a:rPr lang="it-IT" smtClean="0"/>
-              <a:t>28/06/2024</a:t>
+              <a:t>29/06/2024</a:t>
             </a:fld>
             <a:endParaRPr lang="it-IT"/>
           </a:p>
@@ -3504,7 +4029,7 @@
           <a:p>
             <a:fld id="{7ED2B993-C4C1-41C6-8C99-445819C1984D}" type="datetimeFigureOut">
               <a:rPr lang="it-IT" smtClean="0"/>
-              <a:t>28/06/2024</a:t>
+              <a:t>29/06/2024</a:t>
             </a:fld>
             <a:endParaRPr lang="it-IT"/>
           </a:p>
@@ -3745,7 +4270,7 @@
           <a:p>
             <a:fld id="{7ED2B993-C4C1-41C6-8C99-445819C1984D}" type="datetimeFigureOut">
               <a:rPr lang="it-IT" smtClean="0"/>
-              <a:t>28/06/2024</a:t>
+              <a:t>29/06/2024</a:t>
             </a:fld>
             <a:endParaRPr lang="it-IT"/>
           </a:p>
@@ -5911,7 +6436,1304 @@
     </p:spTree>
     <p:extLst>
       <p:ext uri="{BB962C8B-B14F-4D97-AF65-F5344CB8AC3E}">
+        <p14:creationId xmlns:p14="http://schemas.microsoft.com/office/powerpoint/2010/main" val="2313616957"/>
+      </p:ext>
+    </p:extLst>
+  </p:cSld>
+  <p:clrMapOvr>
+    <a:masterClrMapping/>
+  </p:clrMapOvr>
+</p:sld>
+</file>
+
+<file path=ppt/slides/slide16.xml><?xml version="1.0" encoding="utf-8"?>
+<p:sld xmlns:a="http://schemas.openxmlformats.org/drawingml/2006/main" xmlns:r="http://schemas.openxmlformats.org/officeDocument/2006/relationships" xmlns:p="http://schemas.openxmlformats.org/presentationml/2006/main">
+  <p:cSld>
+    <p:spTree>
+      <p:nvGrpSpPr>
+        <p:cNvPr id="1" name=""/>
+        <p:cNvGrpSpPr/>
+        <p:nvPr/>
+      </p:nvGrpSpPr>
+      <p:grpSpPr>
+        <a:xfrm>
+          <a:off x="0" y="0"/>
+          <a:ext cx="0" cy="0"/>
+          <a:chOff x="0" y="0"/>
+          <a:chExt cx="0" cy="0"/>
+        </a:xfrm>
+      </p:grpSpPr>
+      <p:sp>
+        <p:nvSpPr>
+          <p:cNvPr id="2" name="Titolo 1">
+            <a:extLst>
+              <a:ext uri="{FF2B5EF4-FFF2-40B4-BE49-F238E27FC236}">
+                <a16:creationId xmlns:a16="http://schemas.microsoft.com/office/drawing/2014/main" id="{F26C103F-8817-AE01-1C43-F87D14C1DDE2}"/>
+              </a:ext>
+            </a:extLst>
+          </p:cNvPr>
+          <p:cNvSpPr>
+            <a:spLocks noGrp="1"/>
+          </p:cNvSpPr>
+          <p:nvPr>
+            <p:ph type="title"/>
+          </p:nvPr>
+        </p:nvSpPr>
+        <p:spPr/>
+        <p:txBody>
+          <a:bodyPr/>
+          <a:lstStyle/>
+          <a:p>
+            <a:pPr algn="ctr"/>
+            <a:r>
+              <a:rPr lang="it-IT" dirty="0">
+                <a:solidFill>
+                  <a:srgbClr val="0070C0"/>
+                </a:solidFill>
+              </a:rPr>
+              <a:t>Community </a:t>
+            </a:r>
+            <a:r>
+              <a:rPr lang="it-IT" dirty="0" err="1">
+                <a:solidFill>
+                  <a:srgbClr val="0070C0"/>
+                </a:solidFill>
+              </a:rPr>
+              <a:t>detection</a:t>
+            </a:r>
+            <a:endParaRPr lang="it-IT" dirty="0">
+              <a:solidFill>
+                <a:srgbClr val="0070C0"/>
+              </a:solidFill>
+            </a:endParaRPr>
+          </a:p>
+        </p:txBody>
+      </p:sp>
+      <p:sp>
+        <p:nvSpPr>
+          <p:cNvPr id="3" name="Segnaposto contenuto 2">
+            <a:extLst>
+              <a:ext uri="{FF2B5EF4-FFF2-40B4-BE49-F238E27FC236}">
+                <a16:creationId xmlns:a16="http://schemas.microsoft.com/office/drawing/2014/main" id="{3481AE9C-5DBD-AB2C-A0D7-2361D1272888}"/>
+              </a:ext>
+            </a:extLst>
+          </p:cNvPr>
+          <p:cNvSpPr>
+            <a:spLocks noGrp="1"/>
+          </p:cNvSpPr>
+          <p:nvPr>
+            <p:ph idx="1"/>
+          </p:nvPr>
+        </p:nvSpPr>
+        <p:spPr>
+          <a:xfrm>
+            <a:off x="838200" y="1777499"/>
+            <a:ext cx="10515600" cy="4351338"/>
+          </a:xfrm>
+        </p:spPr>
+        <p:txBody>
+          <a:bodyPr>
+            <a:normAutofit lnSpcReduction="10000"/>
+          </a:bodyPr>
+          <a:lstStyle/>
+          <a:p>
+            <a:pPr marL="0" indent="0">
+              <a:buNone/>
+            </a:pPr>
+            <a:r>
+              <a:rPr lang="it-IT" sz="2400" b="1" dirty="0"/>
+              <a:t>Metodi scelti:</a:t>
+            </a:r>
+          </a:p>
+          <a:p>
+            <a:pPr marL="0" indent="0">
+              <a:buNone/>
+            </a:pPr>
+            <a:endParaRPr lang="it-IT" sz="2400" dirty="0"/>
+          </a:p>
+          <a:p>
+            <a:r>
+              <a:rPr lang="it-IT" sz="2400" b="1" dirty="0"/>
+              <a:t>Label </a:t>
+            </a:r>
+            <a:r>
+              <a:rPr lang="it-IT" sz="2400" b="1" dirty="0" err="1"/>
+              <a:t>Propagation</a:t>
+            </a:r>
+            <a:r>
+              <a:rPr lang="it-IT" sz="2400" b="1" dirty="0"/>
+              <a:t>: </a:t>
+            </a:r>
+            <a:r>
+              <a:rPr lang="it-IT" sz="2400" dirty="0"/>
+              <a:t>Rapido ma meno stabile, utile per una prima esplorazione.</a:t>
+            </a:r>
+          </a:p>
+          <a:p>
+            <a:pPr marL="0" indent="0">
+              <a:buNone/>
+            </a:pPr>
+            <a:endParaRPr lang="it-IT" sz="2400" b="1" dirty="0"/>
+          </a:p>
+          <a:p>
+            <a:r>
+              <a:rPr lang="it-IT" sz="2400" b="1" dirty="0" err="1"/>
+              <a:t>Louvain</a:t>
+            </a:r>
+            <a:r>
+              <a:rPr lang="it-IT" sz="2400" b="1" dirty="0"/>
+              <a:t> : </a:t>
+            </a:r>
+            <a:r>
+              <a:rPr lang="it-IT" sz="2400" dirty="0"/>
+              <a:t>Fornisce una buona combinazione di modularità elevata e comunità ben definite, risultando in un numero moderato di comunità di dimensioni variabili.</a:t>
+            </a:r>
+          </a:p>
+          <a:p>
+            <a:pPr marL="0" indent="0">
+              <a:buNone/>
+            </a:pPr>
+            <a:endParaRPr lang="it-IT" sz="2400" dirty="0"/>
+          </a:p>
+          <a:p>
+            <a:r>
+              <a:rPr lang="it-IT" sz="2400" b="1" dirty="0" err="1"/>
+              <a:t>Infomap</a:t>
+            </a:r>
+            <a:r>
+              <a:rPr lang="it-IT" sz="2400" b="1" dirty="0"/>
+              <a:t>: </a:t>
+            </a:r>
+            <a:r>
+              <a:rPr lang="it-IT" sz="2400" dirty="0"/>
+              <a:t>Spesso rileva più comunità di dimensioni minori, catturando dettagli nella struttura gerarchica del grafo.</a:t>
+            </a:r>
+          </a:p>
+        </p:txBody>
+      </p:sp>
+    </p:spTree>
+    <p:extLst>
+      <p:ext uri="{BB962C8B-B14F-4D97-AF65-F5344CB8AC3E}">
         <p14:creationId xmlns:p14="http://schemas.microsoft.com/office/powerpoint/2010/main" val="3265149187"/>
+      </p:ext>
+    </p:extLst>
+  </p:cSld>
+  <p:clrMapOvr>
+    <a:masterClrMapping/>
+  </p:clrMapOvr>
+</p:sld>
+</file>
+
+<file path=ppt/slides/slide17.xml><?xml version="1.0" encoding="utf-8"?>
+<p:sld xmlns:a="http://schemas.openxmlformats.org/drawingml/2006/main" xmlns:r="http://schemas.openxmlformats.org/officeDocument/2006/relationships" xmlns:p="http://schemas.openxmlformats.org/presentationml/2006/main">
+  <p:cSld>
+    <p:bg>
+      <p:bgPr>
+        <a:solidFill>
+          <a:schemeClr val="bg1"/>
+        </a:solidFill>
+        <a:effectLst/>
+      </p:bgPr>
+    </p:bg>
+    <p:spTree>
+      <p:nvGrpSpPr>
+        <p:cNvPr id="1" name=""/>
+        <p:cNvGrpSpPr/>
+        <p:nvPr/>
+      </p:nvGrpSpPr>
+      <p:grpSpPr>
+        <a:xfrm>
+          <a:off x="0" y="0"/>
+          <a:ext cx="0" cy="0"/>
+          <a:chOff x="0" y="0"/>
+          <a:chExt cx="0" cy="0"/>
+        </a:xfrm>
+      </p:grpSpPr>
+      <p:sp useBgFill="1">
+        <p:nvSpPr>
+          <p:cNvPr id="16" name="Rectangle 15">
+            <a:extLst>
+              <a:ext uri="{FF2B5EF4-FFF2-40B4-BE49-F238E27FC236}">
+                <a16:creationId xmlns:a16="http://schemas.microsoft.com/office/drawing/2014/main" id="{70155189-D96C-4527-B0EC-654B946BE615}"/>
+              </a:ext>
+              <a:ext uri="{C183D7F6-B498-43B3-948B-1728B52AA6E4}">
+                <adec:decorative xmlns:adec="http://schemas.microsoft.com/office/drawing/2017/decorative" val="1"/>
+              </a:ext>
+            </a:extLst>
+          </p:cNvPr>
+          <p:cNvSpPr>
+            <a:spLocks noGrp="1" noRot="1" noChangeAspect="1" noMove="1" noResize="1" noEditPoints="1" noAdjustHandles="1" noChangeArrowheads="1" noChangeShapeType="1" noTextEdit="1"/>
+          </p:cNvSpPr>
+          <p:nvPr>
+            <p:extLst>
+              <p:ext uri="{386F3935-93C4-4BCD-93E2-E3B085C9AB24}">
+                <p16:designElem xmlns:p16="http://schemas.microsoft.com/office/powerpoint/2015/main" val="1"/>
+              </p:ext>
+            </p:extLst>
+          </p:nvPr>
+        </p:nvSpPr>
+        <p:spPr>
+          <a:xfrm>
+            <a:off x="-1" y="0"/>
+            <a:ext cx="12188952" cy="6858000"/>
+          </a:xfrm>
+          <a:prstGeom prst="rect">
+            <a:avLst/>
+          </a:prstGeom>
+          <a:ln>
+            <a:noFill/>
+          </a:ln>
+        </p:spPr>
+        <p:style>
+          <a:lnRef idx="2">
+            <a:schemeClr val="accent1">
+              <a:shade val="50000"/>
+            </a:schemeClr>
+          </a:lnRef>
+          <a:fillRef idx="1">
+            <a:schemeClr val="accent1"/>
+          </a:fillRef>
+          <a:effectRef idx="0">
+            <a:schemeClr val="accent1"/>
+          </a:effectRef>
+          <a:fontRef idx="minor">
+            <a:schemeClr val="lt1"/>
+          </a:fontRef>
+        </p:style>
+        <p:txBody>
+          <a:bodyPr rtlCol="0" anchor="ctr"/>
+          <a:lstStyle/>
+          <a:p>
+            <a:pPr algn="ctr"/>
+            <a:endParaRPr lang="en-US"/>
+          </a:p>
+        </p:txBody>
+      </p:sp>
+      <p:pic>
+        <p:nvPicPr>
+          <p:cNvPr id="11" name="Immagine 10">
+            <a:extLst>
+              <a:ext uri="{FF2B5EF4-FFF2-40B4-BE49-F238E27FC236}">
+                <a16:creationId xmlns:a16="http://schemas.microsoft.com/office/drawing/2014/main" id="{C6810172-28CF-B257-2E79-F6250CD086C7}"/>
+              </a:ext>
+            </a:extLst>
+          </p:cNvPr>
+          <p:cNvPicPr>
+            <a:picLocks noChangeAspect="1"/>
+          </p:cNvPicPr>
+          <p:nvPr/>
+        </p:nvPicPr>
+        <p:blipFill>
+          <a:blip r:embed="rId2"/>
+          <a:stretch>
+            <a:fillRect/>
+          </a:stretch>
+        </p:blipFill>
+        <p:spPr>
+          <a:xfrm>
+            <a:off x="8209145" y="1843088"/>
+            <a:ext cx="3797536" cy="2971571"/>
+          </a:xfrm>
+          <a:prstGeom prst="rect">
+            <a:avLst/>
+          </a:prstGeom>
+        </p:spPr>
+      </p:pic>
+      <p:pic>
+        <p:nvPicPr>
+          <p:cNvPr id="9" name="Immagine 8">
+            <a:extLst>
+              <a:ext uri="{FF2B5EF4-FFF2-40B4-BE49-F238E27FC236}">
+                <a16:creationId xmlns:a16="http://schemas.microsoft.com/office/drawing/2014/main" id="{120CF9B1-6D2D-7911-51E0-FC383217B949}"/>
+              </a:ext>
+            </a:extLst>
+          </p:cNvPr>
+          <p:cNvPicPr>
+            <a:picLocks noChangeAspect="1"/>
+          </p:cNvPicPr>
+          <p:nvPr/>
+        </p:nvPicPr>
+        <p:blipFill>
+          <a:blip r:embed="rId3"/>
+          <a:stretch>
+            <a:fillRect/>
+          </a:stretch>
+        </p:blipFill>
+        <p:spPr>
+          <a:xfrm>
+            <a:off x="4120234" y="1847835"/>
+            <a:ext cx="3797536" cy="2962078"/>
+          </a:xfrm>
+          <a:prstGeom prst="rect">
+            <a:avLst/>
+          </a:prstGeom>
+        </p:spPr>
+      </p:pic>
+      <p:pic>
+        <p:nvPicPr>
+          <p:cNvPr id="7" name="Immagine 6">
+            <a:extLst>
+              <a:ext uri="{FF2B5EF4-FFF2-40B4-BE49-F238E27FC236}">
+                <a16:creationId xmlns:a16="http://schemas.microsoft.com/office/drawing/2014/main" id="{FC0D3DE1-B4D6-B525-0791-E244D38BF3F2}"/>
+              </a:ext>
+            </a:extLst>
+          </p:cNvPr>
+          <p:cNvPicPr>
+            <a:picLocks noChangeAspect="1"/>
+          </p:cNvPicPr>
+          <p:nvPr/>
+        </p:nvPicPr>
+        <p:blipFill>
+          <a:blip r:embed="rId4"/>
+          <a:stretch>
+            <a:fillRect/>
+          </a:stretch>
+        </p:blipFill>
+        <p:spPr>
+          <a:xfrm>
+            <a:off x="177011" y="1843088"/>
+            <a:ext cx="3797536" cy="2895620"/>
+          </a:xfrm>
+          <a:prstGeom prst="rect">
+            <a:avLst/>
+          </a:prstGeom>
+        </p:spPr>
+      </p:pic>
+      <p:sp>
+        <p:nvSpPr>
+          <p:cNvPr id="15" name="CasellaDiTesto 14">
+            <a:extLst>
+              <a:ext uri="{FF2B5EF4-FFF2-40B4-BE49-F238E27FC236}">
+                <a16:creationId xmlns:a16="http://schemas.microsoft.com/office/drawing/2014/main" id="{BD7C613C-1214-8C01-E592-3490771DF823}"/>
+              </a:ext>
+            </a:extLst>
+          </p:cNvPr>
+          <p:cNvSpPr txBox="1"/>
+          <p:nvPr/>
+        </p:nvSpPr>
+        <p:spPr>
+          <a:xfrm>
+            <a:off x="560951" y="5141459"/>
+            <a:ext cx="11067047" cy="1384995"/>
+          </a:xfrm>
+          <a:prstGeom prst="rect">
+            <a:avLst/>
+          </a:prstGeom>
+          <a:noFill/>
+        </p:spPr>
+        <p:txBody>
+          <a:bodyPr wrap="square">
+            <a:spAutoFit/>
+          </a:bodyPr>
+          <a:lstStyle/>
+          <a:p>
+            <a:pPr marL="285750" indent="-285750">
+              <a:buFontTx/>
+              <a:buChar char="-"/>
+            </a:pPr>
+            <a:r>
+              <a:rPr lang="it-IT" sz="1400" dirty="0"/>
+              <a:t>Essendo un grafo su un argomento molto specifico, ogni argomento tende a formare un cluster di articoli strettamente correlati, poiché i ricercatori citano prevalentemente lavori all'interno dello stesso tema.</a:t>
+            </a:r>
+          </a:p>
+          <a:p>
+            <a:pPr marL="285750" indent="-285750">
+              <a:buFontTx/>
+              <a:buChar char="-"/>
+            </a:pPr>
+            <a:endParaRPr lang="it-IT" sz="1400" dirty="0"/>
+          </a:p>
+          <a:p>
+            <a:pPr marL="285750" indent="-285750">
+              <a:buFontTx/>
+              <a:buChar char="-"/>
+            </a:pPr>
+            <a:r>
+              <a:rPr lang="it-IT" sz="1400" dirty="0"/>
+              <a:t>I ricercatori tendono a lavorare in gruppi o collaborazioni che producono insiemi di articoli correlati</a:t>
+            </a:r>
+          </a:p>
+          <a:p>
+            <a:pPr marL="285750" indent="-285750">
+              <a:buFontTx/>
+              <a:buChar char="-"/>
+            </a:pPr>
+            <a:endParaRPr lang="it-IT" sz="1400" dirty="0"/>
+          </a:p>
+          <a:p>
+            <a:pPr marL="285750" indent="-285750">
+              <a:buFontTx/>
+              <a:buChar char="-"/>
+            </a:pPr>
+            <a:r>
+              <a:rPr lang="it-IT" sz="1400" dirty="0"/>
+              <a:t>Gli articoli tendono a citare lavori precedenti dello stesso campo, creando cluster densi all'interno di </a:t>
+            </a:r>
+            <a:r>
+              <a:rPr lang="it-IT" sz="1400" dirty="0" err="1"/>
+              <a:t>sottodiscipline</a:t>
+            </a:r>
+            <a:r>
+              <a:rPr lang="it-IT" sz="1400" dirty="0"/>
+              <a:t> specifiche.</a:t>
+            </a:r>
+          </a:p>
+        </p:txBody>
+      </p:sp>
+      <p:sp>
+        <p:nvSpPr>
+          <p:cNvPr id="18" name="Titolo 1">
+            <a:extLst>
+              <a:ext uri="{FF2B5EF4-FFF2-40B4-BE49-F238E27FC236}">
+                <a16:creationId xmlns:a16="http://schemas.microsoft.com/office/drawing/2014/main" id="{3323BA77-0722-9279-F5DD-77B017FA3FC4}"/>
+              </a:ext>
+            </a:extLst>
+          </p:cNvPr>
+          <p:cNvSpPr>
+            <a:spLocks noGrp="1"/>
+          </p:cNvSpPr>
+          <p:nvPr>
+            <p:ph type="title"/>
+          </p:nvPr>
+        </p:nvSpPr>
+        <p:spPr>
+          <a:xfrm>
+            <a:off x="838200" y="365125"/>
+            <a:ext cx="10515600" cy="1325563"/>
+          </a:xfrm>
+        </p:spPr>
+        <p:txBody>
+          <a:bodyPr/>
+          <a:lstStyle/>
+          <a:p>
+            <a:pPr algn="ctr"/>
+            <a:r>
+              <a:rPr lang="it-IT" dirty="0">
+                <a:solidFill>
+                  <a:srgbClr val="0070C0"/>
+                </a:solidFill>
+              </a:rPr>
+              <a:t>Community </a:t>
+            </a:r>
+            <a:r>
+              <a:rPr lang="it-IT" dirty="0" err="1">
+                <a:solidFill>
+                  <a:srgbClr val="0070C0"/>
+                </a:solidFill>
+              </a:rPr>
+              <a:t>detection</a:t>
+            </a:r>
+            <a:endParaRPr lang="it-IT" dirty="0">
+              <a:solidFill>
+                <a:srgbClr val="0070C0"/>
+              </a:solidFill>
+            </a:endParaRPr>
+          </a:p>
+        </p:txBody>
+      </p:sp>
+    </p:spTree>
+    <p:extLst>
+      <p:ext uri="{BB962C8B-B14F-4D97-AF65-F5344CB8AC3E}">
+        <p14:creationId xmlns:p14="http://schemas.microsoft.com/office/powerpoint/2010/main" val="2636795374"/>
+      </p:ext>
+    </p:extLst>
+  </p:cSld>
+  <p:clrMapOvr>
+    <a:masterClrMapping/>
+  </p:clrMapOvr>
+</p:sld>
+</file>
+
+<file path=ppt/slides/slide18.xml><?xml version="1.0" encoding="utf-8"?>
+<p:sld xmlns:a="http://schemas.openxmlformats.org/drawingml/2006/main" xmlns:r="http://schemas.openxmlformats.org/officeDocument/2006/relationships" xmlns:p="http://schemas.openxmlformats.org/presentationml/2006/main">
+  <p:cSld>
+    <p:bg>
+      <p:bgPr>
+        <a:solidFill>
+          <a:schemeClr val="bg1"/>
+        </a:solidFill>
+        <a:effectLst/>
+      </p:bgPr>
+    </p:bg>
+    <p:spTree>
+      <p:nvGrpSpPr>
+        <p:cNvPr id="1" name=""/>
+        <p:cNvGrpSpPr/>
+        <p:nvPr/>
+      </p:nvGrpSpPr>
+      <p:grpSpPr>
+        <a:xfrm>
+          <a:off x="0" y="0"/>
+          <a:ext cx="0" cy="0"/>
+          <a:chOff x="0" y="0"/>
+          <a:chExt cx="0" cy="0"/>
+        </a:xfrm>
+      </p:grpSpPr>
+      <p:sp useBgFill="1">
+        <p:nvSpPr>
+          <p:cNvPr id="16" name="Rectangle 15">
+            <a:extLst>
+              <a:ext uri="{FF2B5EF4-FFF2-40B4-BE49-F238E27FC236}">
+                <a16:creationId xmlns:a16="http://schemas.microsoft.com/office/drawing/2014/main" id="{70155189-D96C-4527-B0EC-654B946BE615}"/>
+              </a:ext>
+              <a:ext uri="{C183D7F6-B498-43B3-948B-1728B52AA6E4}">
+                <adec:decorative xmlns:adec="http://schemas.microsoft.com/office/drawing/2017/decorative" val="1"/>
+              </a:ext>
+            </a:extLst>
+          </p:cNvPr>
+          <p:cNvSpPr>
+            <a:spLocks noGrp="1" noRot="1" noChangeAspect="1" noMove="1" noResize="1" noEditPoints="1" noAdjustHandles="1" noChangeArrowheads="1" noChangeShapeType="1" noTextEdit="1"/>
+          </p:cNvSpPr>
+          <p:nvPr>
+            <p:extLst>
+              <p:ext uri="{386F3935-93C4-4BCD-93E2-E3B085C9AB24}">
+                <p16:designElem xmlns:p16="http://schemas.microsoft.com/office/powerpoint/2015/main" val="1"/>
+              </p:ext>
+            </p:extLst>
+          </p:nvPr>
+        </p:nvSpPr>
+        <p:spPr>
+          <a:xfrm>
+            <a:off x="-1" y="0"/>
+            <a:ext cx="12188952" cy="6858000"/>
+          </a:xfrm>
+          <a:prstGeom prst="rect">
+            <a:avLst/>
+          </a:prstGeom>
+          <a:ln>
+            <a:noFill/>
+          </a:ln>
+        </p:spPr>
+        <p:style>
+          <a:lnRef idx="2">
+            <a:schemeClr val="accent1">
+              <a:shade val="50000"/>
+            </a:schemeClr>
+          </a:lnRef>
+          <a:fillRef idx="1">
+            <a:schemeClr val="accent1"/>
+          </a:fillRef>
+          <a:effectRef idx="0">
+            <a:schemeClr val="accent1"/>
+          </a:effectRef>
+          <a:fontRef idx="minor">
+            <a:schemeClr val="lt1"/>
+          </a:fontRef>
+        </p:style>
+        <p:txBody>
+          <a:bodyPr rtlCol="0" anchor="ctr"/>
+          <a:lstStyle/>
+          <a:p>
+            <a:pPr algn="ctr"/>
+            <a:endParaRPr lang="en-US"/>
+          </a:p>
+        </p:txBody>
+      </p:sp>
+      <p:sp>
+        <p:nvSpPr>
+          <p:cNvPr id="15" name="CasellaDiTesto 14">
+            <a:extLst>
+              <a:ext uri="{FF2B5EF4-FFF2-40B4-BE49-F238E27FC236}">
+                <a16:creationId xmlns:a16="http://schemas.microsoft.com/office/drawing/2014/main" id="{BD7C613C-1214-8C01-E592-3490771DF823}"/>
+              </a:ext>
+            </a:extLst>
+          </p:cNvPr>
+          <p:cNvSpPr txBox="1"/>
+          <p:nvPr/>
+        </p:nvSpPr>
+        <p:spPr>
+          <a:xfrm>
+            <a:off x="560951" y="4826675"/>
+            <a:ext cx="11067047" cy="2031325"/>
+          </a:xfrm>
+          <a:prstGeom prst="rect">
+            <a:avLst/>
+          </a:prstGeom>
+          <a:noFill/>
+        </p:spPr>
+        <p:txBody>
+          <a:bodyPr wrap="square">
+            <a:spAutoFit/>
+          </a:bodyPr>
+          <a:lstStyle/>
+          <a:p>
+            <a:pPr marL="285750" indent="-285750">
+              <a:buFontTx/>
+              <a:buChar char="-"/>
+            </a:pPr>
+            <a:r>
+              <a:rPr lang="it-IT" sz="1400" dirty="0"/>
+              <a:t>Label </a:t>
+            </a:r>
+            <a:r>
+              <a:rPr lang="it-IT" sz="1400" dirty="0" err="1"/>
+              <a:t>propagation</a:t>
+            </a:r>
+            <a:r>
+              <a:rPr lang="en-US" sz="1400" dirty="0"/>
+              <a:t>: </a:t>
+            </a:r>
+            <a:r>
+              <a:rPr lang="it-IT" sz="1400" dirty="0"/>
+              <a:t>grande variabilità nelle dimensioni delle comunità, con alcune comunità molto grandi. Questo potrebbe indicare la presenza di un hub o di un nodo altamente centrale che domina (lavori molto citati).</a:t>
+            </a:r>
+          </a:p>
+          <a:p>
+            <a:pPr marL="285750" indent="-285750">
+              <a:buFontTx/>
+              <a:buChar char="-"/>
+            </a:pPr>
+            <a:endParaRPr lang="it-IT" sz="1400" dirty="0"/>
+          </a:p>
+          <a:p>
+            <a:pPr marL="285750" indent="-285750">
+              <a:buFontTx/>
+              <a:buChar char="-"/>
+            </a:pPr>
+            <a:r>
+              <a:rPr lang="it-IT" sz="1400" dirty="0" err="1"/>
+              <a:t>Louvain</a:t>
+            </a:r>
+            <a:r>
+              <a:rPr lang="it-IT" sz="1400" dirty="0"/>
+              <a:t>: Mostra una moderata variabilità nelle dimensioni delle comunità, con comunità generalmente più grandi rispetto a label </a:t>
+            </a:r>
+            <a:r>
+              <a:rPr lang="it-IT" sz="1400" dirty="0" err="1"/>
+              <a:t>propagation</a:t>
+            </a:r>
+            <a:r>
+              <a:rPr lang="it-IT" sz="1400" dirty="0"/>
+              <a:t> ma senza dimensioni estreme. Questo potrebbe indicare una struttura comunitaria più equilibrata.</a:t>
+            </a:r>
+          </a:p>
+          <a:p>
+            <a:pPr marL="285750" indent="-285750">
+              <a:buFontTx/>
+              <a:buChar char="-"/>
+            </a:pPr>
+            <a:endParaRPr lang="it-IT" sz="1400" dirty="0"/>
+          </a:p>
+          <a:p>
+            <a:pPr marL="285750" indent="-285750">
+              <a:buFontTx/>
+              <a:buChar char="-"/>
+            </a:pPr>
+            <a:r>
+              <a:rPr lang="it-IT" sz="1400" dirty="0" err="1"/>
+              <a:t>Infomap</a:t>
+            </a:r>
+            <a:r>
+              <a:rPr lang="it-IT" sz="1400" dirty="0"/>
+              <a:t>: Caratterizzata da comunità di dimensioni più uniformi e generalmente più piccole. Questo potrebbe indicare una suddivisione più fine della rete in comunità di dimensioni simili.</a:t>
+            </a:r>
+          </a:p>
+          <a:p>
+            <a:pPr marL="285750" indent="-285750">
+              <a:buFontTx/>
+              <a:buChar char="-"/>
+            </a:pPr>
+            <a:endParaRPr lang="it-IT" sz="1400" dirty="0"/>
+          </a:p>
+        </p:txBody>
+      </p:sp>
+      <p:sp>
+        <p:nvSpPr>
+          <p:cNvPr id="18" name="Titolo 1">
+            <a:extLst>
+              <a:ext uri="{FF2B5EF4-FFF2-40B4-BE49-F238E27FC236}">
+                <a16:creationId xmlns:a16="http://schemas.microsoft.com/office/drawing/2014/main" id="{3323BA77-0722-9279-F5DD-77B017FA3FC4}"/>
+              </a:ext>
+            </a:extLst>
+          </p:cNvPr>
+          <p:cNvSpPr>
+            <a:spLocks noGrp="1"/>
+          </p:cNvSpPr>
+          <p:nvPr>
+            <p:ph type="title"/>
+          </p:nvPr>
+        </p:nvSpPr>
+        <p:spPr>
+          <a:xfrm>
+            <a:off x="838200" y="365125"/>
+            <a:ext cx="10515600" cy="1325563"/>
+          </a:xfrm>
+        </p:spPr>
+        <p:txBody>
+          <a:bodyPr/>
+          <a:lstStyle/>
+          <a:p>
+            <a:pPr algn="ctr"/>
+            <a:r>
+              <a:rPr lang="it-IT" dirty="0">
+                <a:solidFill>
+                  <a:srgbClr val="0070C0"/>
+                </a:solidFill>
+              </a:rPr>
+              <a:t>Community </a:t>
+            </a:r>
+            <a:r>
+              <a:rPr lang="it-IT" dirty="0" err="1">
+                <a:solidFill>
+                  <a:srgbClr val="0070C0"/>
+                </a:solidFill>
+              </a:rPr>
+              <a:t>detection</a:t>
+            </a:r>
+            <a:endParaRPr lang="it-IT" dirty="0">
+              <a:solidFill>
+                <a:srgbClr val="0070C0"/>
+              </a:solidFill>
+            </a:endParaRPr>
+          </a:p>
+        </p:txBody>
+      </p:sp>
+      <p:pic>
+        <p:nvPicPr>
+          <p:cNvPr id="3" name="Immagine 2">
+            <a:extLst>
+              <a:ext uri="{FF2B5EF4-FFF2-40B4-BE49-F238E27FC236}">
+                <a16:creationId xmlns:a16="http://schemas.microsoft.com/office/drawing/2014/main" id="{482A0FA7-2AEF-B837-D61B-2F5FCD9B732C}"/>
+              </a:ext>
+            </a:extLst>
+          </p:cNvPr>
+          <p:cNvPicPr>
+            <a:picLocks noChangeAspect="1"/>
+          </p:cNvPicPr>
+          <p:nvPr/>
+        </p:nvPicPr>
+        <p:blipFill>
+          <a:blip r:embed="rId2"/>
+          <a:stretch>
+            <a:fillRect/>
+          </a:stretch>
+        </p:blipFill>
+        <p:spPr>
+          <a:xfrm>
+            <a:off x="674735" y="1905357"/>
+            <a:ext cx="4572998" cy="2469101"/>
+          </a:xfrm>
+          <a:prstGeom prst="rect">
+            <a:avLst/>
+          </a:prstGeom>
+        </p:spPr>
+      </p:pic>
+      <p:pic>
+        <p:nvPicPr>
+          <p:cNvPr id="5" name="Immagine 4">
+            <a:extLst>
+              <a:ext uri="{FF2B5EF4-FFF2-40B4-BE49-F238E27FC236}">
+                <a16:creationId xmlns:a16="http://schemas.microsoft.com/office/drawing/2014/main" id="{3EDF1FDA-9455-A238-7E27-68C6BB47BB99}"/>
+              </a:ext>
+            </a:extLst>
+          </p:cNvPr>
+          <p:cNvPicPr>
+            <a:picLocks noChangeAspect="1"/>
+          </p:cNvPicPr>
+          <p:nvPr/>
+        </p:nvPicPr>
+        <p:blipFill>
+          <a:blip r:embed="rId3"/>
+          <a:stretch>
+            <a:fillRect/>
+          </a:stretch>
+        </p:blipFill>
+        <p:spPr>
+          <a:xfrm>
+            <a:off x="6083562" y="2283546"/>
+            <a:ext cx="5487166" cy="2025334"/>
+          </a:xfrm>
+          <a:prstGeom prst="rect">
+            <a:avLst/>
+          </a:prstGeom>
+        </p:spPr>
+      </p:pic>
+      <p:sp>
+        <p:nvSpPr>
+          <p:cNvPr id="6" name="CasellaDiTesto 5">
+            <a:extLst>
+              <a:ext uri="{FF2B5EF4-FFF2-40B4-BE49-F238E27FC236}">
+                <a16:creationId xmlns:a16="http://schemas.microsoft.com/office/drawing/2014/main" id="{3E339F38-633F-6F28-C653-2322D8044E5F}"/>
+              </a:ext>
+            </a:extLst>
+          </p:cNvPr>
+          <p:cNvSpPr txBox="1"/>
+          <p:nvPr/>
+        </p:nvSpPr>
+        <p:spPr>
+          <a:xfrm>
+            <a:off x="6137025" y="1905357"/>
+            <a:ext cx="5380240" cy="307777"/>
+          </a:xfrm>
+          <a:prstGeom prst="rect">
+            <a:avLst/>
+          </a:prstGeom>
+          <a:noFill/>
+        </p:spPr>
+        <p:txBody>
+          <a:bodyPr wrap="square" rtlCol="0">
+            <a:spAutoFit/>
+          </a:bodyPr>
+          <a:lstStyle/>
+          <a:p>
+            <a:r>
+              <a:rPr lang="it-IT" sz="1400" dirty="0"/>
+              <a:t>Confronto dei diversi algoritmi attraverso l'analisi della modularità:</a:t>
+            </a:r>
+          </a:p>
+        </p:txBody>
+      </p:sp>
+    </p:spTree>
+    <p:extLst>
+      <p:ext uri="{BB962C8B-B14F-4D97-AF65-F5344CB8AC3E}">
+        <p14:creationId xmlns:p14="http://schemas.microsoft.com/office/powerpoint/2010/main" val="1223718585"/>
+      </p:ext>
+    </p:extLst>
+  </p:cSld>
+  <p:clrMapOvr>
+    <a:masterClrMapping/>
+  </p:clrMapOvr>
+</p:sld>
+</file>
+
+<file path=ppt/slides/slide19.xml><?xml version="1.0" encoding="utf-8"?>
+<p:sld xmlns:a="http://schemas.openxmlformats.org/drawingml/2006/main" xmlns:r="http://schemas.openxmlformats.org/officeDocument/2006/relationships" xmlns:p="http://schemas.openxmlformats.org/presentationml/2006/main">
+  <p:cSld>
+    <p:bg>
+      <p:bgPr>
+        <a:solidFill>
+          <a:schemeClr val="bg1"/>
+        </a:solidFill>
+        <a:effectLst/>
+      </p:bgPr>
+    </p:bg>
+    <p:spTree>
+      <p:nvGrpSpPr>
+        <p:cNvPr id="1" name=""/>
+        <p:cNvGrpSpPr/>
+        <p:nvPr/>
+      </p:nvGrpSpPr>
+      <p:grpSpPr>
+        <a:xfrm>
+          <a:off x="0" y="0"/>
+          <a:ext cx="0" cy="0"/>
+          <a:chOff x="0" y="0"/>
+          <a:chExt cx="0" cy="0"/>
+        </a:xfrm>
+      </p:grpSpPr>
+      <p:sp useBgFill="1">
+        <p:nvSpPr>
+          <p:cNvPr id="16" name="Rectangle 15">
+            <a:extLst>
+              <a:ext uri="{FF2B5EF4-FFF2-40B4-BE49-F238E27FC236}">
+                <a16:creationId xmlns:a16="http://schemas.microsoft.com/office/drawing/2014/main" id="{70155189-D96C-4527-B0EC-654B946BE615}"/>
+              </a:ext>
+              <a:ext uri="{C183D7F6-B498-43B3-948B-1728B52AA6E4}">
+                <adec:decorative xmlns:adec="http://schemas.microsoft.com/office/drawing/2017/decorative" val="1"/>
+              </a:ext>
+            </a:extLst>
+          </p:cNvPr>
+          <p:cNvSpPr>
+            <a:spLocks noGrp="1" noRot="1" noChangeAspect="1" noMove="1" noResize="1" noEditPoints="1" noAdjustHandles="1" noChangeArrowheads="1" noChangeShapeType="1" noTextEdit="1"/>
+          </p:cNvSpPr>
+          <p:nvPr>
+            <p:extLst>
+              <p:ext uri="{386F3935-93C4-4BCD-93E2-E3B085C9AB24}">
+                <p16:designElem xmlns:p16="http://schemas.microsoft.com/office/powerpoint/2015/main" val="1"/>
+              </p:ext>
+            </p:extLst>
+          </p:nvPr>
+        </p:nvSpPr>
+        <p:spPr>
+          <a:xfrm>
+            <a:off x="-1" y="0"/>
+            <a:ext cx="12188952" cy="6858000"/>
+          </a:xfrm>
+          <a:prstGeom prst="rect">
+            <a:avLst/>
+          </a:prstGeom>
+          <a:ln>
+            <a:noFill/>
+          </a:ln>
+        </p:spPr>
+        <p:style>
+          <a:lnRef idx="2">
+            <a:schemeClr val="accent1">
+              <a:shade val="50000"/>
+            </a:schemeClr>
+          </a:lnRef>
+          <a:fillRef idx="1">
+            <a:schemeClr val="accent1"/>
+          </a:fillRef>
+          <a:effectRef idx="0">
+            <a:schemeClr val="accent1"/>
+          </a:effectRef>
+          <a:fontRef idx="minor">
+            <a:schemeClr val="lt1"/>
+          </a:fontRef>
+        </p:style>
+        <p:txBody>
+          <a:bodyPr rtlCol="0" anchor="ctr"/>
+          <a:lstStyle/>
+          <a:p>
+            <a:pPr algn="ctr"/>
+            <a:endParaRPr lang="en-US"/>
+          </a:p>
+        </p:txBody>
+      </p:sp>
+      <p:sp>
+        <p:nvSpPr>
+          <p:cNvPr id="15" name="CasellaDiTesto 14">
+            <a:extLst>
+              <a:ext uri="{FF2B5EF4-FFF2-40B4-BE49-F238E27FC236}">
+                <a16:creationId xmlns:a16="http://schemas.microsoft.com/office/drawing/2014/main" id="{BD7C613C-1214-8C01-E592-3490771DF823}"/>
+              </a:ext>
+            </a:extLst>
+          </p:cNvPr>
+          <p:cNvSpPr txBox="1"/>
+          <p:nvPr/>
+        </p:nvSpPr>
+        <p:spPr>
+          <a:xfrm>
+            <a:off x="634103" y="1690688"/>
+            <a:ext cx="11067047" cy="738664"/>
+          </a:xfrm>
+          <a:prstGeom prst="rect">
+            <a:avLst/>
+          </a:prstGeom>
+          <a:noFill/>
+        </p:spPr>
+        <p:txBody>
+          <a:bodyPr wrap="square">
+            <a:spAutoFit/>
+          </a:bodyPr>
+          <a:lstStyle/>
+          <a:p>
+            <a:r>
+              <a:rPr lang="it-IT" sz="1400" dirty="0"/>
+              <a:t>Per una visualizzazione più semplice utilizziamo </a:t>
+            </a:r>
+            <a:r>
+              <a:rPr lang="it-IT" sz="1400" dirty="0" err="1">
+                <a:solidFill>
+                  <a:schemeClr val="accent3"/>
+                </a:solidFill>
+              </a:rPr>
+              <a:t>viz</a:t>
+            </a:r>
+            <a:r>
+              <a:rPr lang="it-IT" sz="1400" dirty="0" err="1">
+                <a:solidFill>
+                  <a:srgbClr val="FFC000"/>
+                </a:solidFill>
+              </a:rPr>
+              <a:t>.plot_community_graph</a:t>
+            </a:r>
+            <a:r>
+              <a:rPr lang="it-IT" sz="1400" dirty="0"/>
+              <a:t>, che permette di collassare tutte le comunità in nodi, generando le comunità di dimensione proporzionale al numero di nodi che fanno parte della comunità e gli archi sono pesati e di dimensione variabile in base al numero di archi che intercorrono tra le comunità (</a:t>
+            </a:r>
+            <a:r>
+              <a:rPr lang="en-US" sz="1400" dirty="0">
+                <a:solidFill>
+                  <a:schemeClr val="accent6"/>
+                </a:solidFill>
+              </a:rPr>
+              <a:t>#top_k = 10</a:t>
+            </a:r>
+            <a:r>
+              <a:rPr lang="en-US" sz="1400" dirty="0"/>
+              <a:t> per </a:t>
+            </a:r>
+            <a:r>
+              <a:rPr lang="en-US" sz="1400" dirty="0" err="1"/>
+              <a:t>visualizzare</a:t>
+            </a:r>
+            <a:r>
+              <a:rPr lang="en-US" sz="1400" dirty="0"/>
+              <a:t> le prime </a:t>
+            </a:r>
+            <a:r>
+              <a:rPr lang="en-US" sz="1400" dirty="0" err="1"/>
+              <a:t>comunità</a:t>
+            </a:r>
+            <a:r>
+              <a:rPr lang="en-US" sz="1400" dirty="0"/>
+              <a:t> </a:t>
+            </a:r>
+            <a:r>
+              <a:rPr lang="en-US" sz="1400" dirty="0" err="1"/>
+              <a:t>più</a:t>
+            </a:r>
+            <a:r>
+              <a:rPr lang="en-US" sz="1400" dirty="0"/>
+              <a:t> </a:t>
+            </a:r>
+            <a:r>
+              <a:rPr lang="en-US" sz="1400" dirty="0" err="1"/>
+              <a:t>influenti</a:t>
+            </a:r>
+            <a:r>
+              <a:rPr lang="it-IT" sz="1400" dirty="0"/>
+              <a:t>)</a:t>
+            </a:r>
+          </a:p>
+        </p:txBody>
+      </p:sp>
+      <p:sp>
+        <p:nvSpPr>
+          <p:cNvPr id="18" name="Titolo 1">
+            <a:extLst>
+              <a:ext uri="{FF2B5EF4-FFF2-40B4-BE49-F238E27FC236}">
+                <a16:creationId xmlns:a16="http://schemas.microsoft.com/office/drawing/2014/main" id="{3323BA77-0722-9279-F5DD-77B017FA3FC4}"/>
+              </a:ext>
+            </a:extLst>
+          </p:cNvPr>
+          <p:cNvSpPr>
+            <a:spLocks noGrp="1"/>
+          </p:cNvSpPr>
+          <p:nvPr>
+            <p:ph type="title"/>
+          </p:nvPr>
+        </p:nvSpPr>
+        <p:spPr>
+          <a:xfrm>
+            <a:off x="838200" y="365125"/>
+            <a:ext cx="10515600" cy="1325563"/>
+          </a:xfrm>
+        </p:spPr>
+        <p:txBody>
+          <a:bodyPr/>
+          <a:lstStyle/>
+          <a:p>
+            <a:pPr algn="ctr"/>
+            <a:r>
+              <a:rPr lang="it-IT" dirty="0">
+                <a:solidFill>
+                  <a:srgbClr val="0070C0"/>
+                </a:solidFill>
+              </a:rPr>
+              <a:t>Community </a:t>
+            </a:r>
+            <a:r>
+              <a:rPr lang="it-IT" dirty="0" err="1">
+                <a:solidFill>
+                  <a:srgbClr val="0070C0"/>
+                </a:solidFill>
+              </a:rPr>
+              <a:t>detection</a:t>
+            </a:r>
+            <a:endParaRPr lang="it-IT" dirty="0">
+              <a:solidFill>
+                <a:srgbClr val="0070C0"/>
+              </a:solidFill>
+            </a:endParaRPr>
+          </a:p>
+        </p:txBody>
+      </p:sp>
+      <p:pic>
+        <p:nvPicPr>
+          <p:cNvPr id="8" name="Immagine 7">
+            <a:extLst>
+              <a:ext uri="{FF2B5EF4-FFF2-40B4-BE49-F238E27FC236}">
+                <a16:creationId xmlns:a16="http://schemas.microsoft.com/office/drawing/2014/main" id="{61853A85-64C4-4A31-6B89-8C36A1C4299F}"/>
+              </a:ext>
+            </a:extLst>
+          </p:cNvPr>
+          <p:cNvPicPr>
+            <a:picLocks noChangeAspect="1"/>
+          </p:cNvPicPr>
+          <p:nvPr/>
+        </p:nvPicPr>
+        <p:blipFill rotWithShape="1">
+          <a:blip r:embed="rId3"/>
+          <a:srcRect l="7226" t="12729" r="14624" b="4140"/>
+          <a:stretch/>
+        </p:blipFill>
+        <p:spPr>
+          <a:xfrm>
+            <a:off x="838200" y="3211427"/>
+            <a:ext cx="2929813" cy="2864498"/>
+          </a:xfrm>
+          <a:prstGeom prst="rect">
+            <a:avLst/>
+          </a:prstGeom>
+        </p:spPr>
+      </p:pic>
+      <p:pic>
+        <p:nvPicPr>
+          <p:cNvPr id="10" name="Immagine 9">
+            <a:extLst>
+              <a:ext uri="{FF2B5EF4-FFF2-40B4-BE49-F238E27FC236}">
+                <a16:creationId xmlns:a16="http://schemas.microsoft.com/office/drawing/2014/main" id="{3EDA9972-5663-662B-5EBA-5E81D8E67058}"/>
+              </a:ext>
+            </a:extLst>
+          </p:cNvPr>
+          <p:cNvPicPr>
+            <a:picLocks noChangeAspect="1"/>
+          </p:cNvPicPr>
+          <p:nvPr/>
+        </p:nvPicPr>
+        <p:blipFill rotWithShape="1">
+          <a:blip r:embed="rId4"/>
+          <a:srcRect l="7452" t="12920" r="12757" b="4470"/>
+          <a:stretch/>
+        </p:blipFill>
+        <p:spPr>
+          <a:xfrm>
+            <a:off x="4934338" y="3211427"/>
+            <a:ext cx="2929813" cy="2882538"/>
+          </a:xfrm>
+          <a:prstGeom prst="rect">
+            <a:avLst/>
+          </a:prstGeom>
+        </p:spPr>
+      </p:pic>
+      <p:pic>
+        <p:nvPicPr>
+          <p:cNvPr id="14" name="Immagine 13">
+            <a:extLst>
+              <a:ext uri="{FF2B5EF4-FFF2-40B4-BE49-F238E27FC236}">
+                <a16:creationId xmlns:a16="http://schemas.microsoft.com/office/drawing/2014/main" id="{650AD181-D33D-A7CD-C147-D8D9A622C914}"/>
+              </a:ext>
+            </a:extLst>
+          </p:cNvPr>
+          <p:cNvPicPr>
+            <a:picLocks noChangeAspect="1"/>
+          </p:cNvPicPr>
+          <p:nvPr/>
+        </p:nvPicPr>
+        <p:blipFill>
+          <a:blip r:embed="rId5"/>
+          <a:stretch>
+            <a:fillRect/>
+          </a:stretch>
+        </p:blipFill>
+        <p:spPr>
+          <a:xfrm>
+            <a:off x="8702352" y="3167278"/>
+            <a:ext cx="2947503" cy="2908647"/>
+          </a:xfrm>
+          <a:prstGeom prst="rect">
+            <a:avLst/>
+          </a:prstGeom>
+        </p:spPr>
+      </p:pic>
+      <p:sp>
+        <p:nvSpPr>
+          <p:cNvPr id="17" name="CasellaDiTesto 16">
+            <a:extLst>
+              <a:ext uri="{FF2B5EF4-FFF2-40B4-BE49-F238E27FC236}">
+                <a16:creationId xmlns:a16="http://schemas.microsoft.com/office/drawing/2014/main" id="{E6D98B48-0E20-DCE5-F16C-E53F04539B8B}"/>
+              </a:ext>
+            </a:extLst>
+          </p:cNvPr>
+          <p:cNvSpPr txBox="1"/>
+          <p:nvPr/>
+        </p:nvSpPr>
+        <p:spPr>
+          <a:xfrm>
+            <a:off x="1198954" y="2852572"/>
+            <a:ext cx="2817845" cy="369332"/>
+          </a:xfrm>
+          <a:prstGeom prst="rect">
+            <a:avLst/>
+          </a:prstGeom>
+          <a:noFill/>
+        </p:spPr>
+        <p:txBody>
+          <a:bodyPr wrap="square" rtlCol="0">
+            <a:spAutoFit/>
+          </a:bodyPr>
+          <a:lstStyle/>
+          <a:p>
+            <a:pPr algn="ctr"/>
+            <a:r>
+              <a:rPr lang="en-US" dirty="0"/>
+              <a:t>Label propagation</a:t>
+            </a:r>
+            <a:endParaRPr lang="it-IT" dirty="0"/>
+          </a:p>
+        </p:txBody>
+      </p:sp>
+      <p:sp>
+        <p:nvSpPr>
+          <p:cNvPr id="19" name="CasellaDiTesto 18">
+            <a:extLst>
+              <a:ext uri="{FF2B5EF4-FFF2-40B4-BE49-F238E27FC236}">
+                <a16:creationId xmlns:a16="http://schemas.microsoft.com/office/drawing/2014/main" id="{1030DDBD-E1F9-A516-93B1-FB2930D9DC45}"/>
+              </a:ext>
+            </a:extLst>
+          </p:cNvPr>
+          <p:cNvSpPr txBox="1"/>
+          <p:nvPr/>
+        </p:nvSpPr>
+        <p:spPr>
+          <a:xfrm>
+            <a:off x="4685552" y="2852572"/>
+            <a:ext cx="2817845" cy="369332"/>
+          </a:xfrm>
+          <a:prstGeom prst="rect">
+            <a:avLst/>
+          </a:prstGeom>
+          <a:noFill/>
+        </p:spPr>
+        <p:txBody>
+          <a:bodyPr wrap="square" rtlCol="0">
+            <a:spAutoFit/>
+          </a:bodyPr>
+          <a:lstStyle/>
+          <a:p>
+            <a:pPr algn="ctr"/>
+            <a:r>
+              <a:rPr lang="en-US" dirty="0"/>
+              <a:t>Louvain</a:t>
+            </a:r>
+            <a:endParaRPr lang="it-IT" dirty="0"/>
+          </a:p>
+        </p:txBody>
+      </p:sp>
+      <p:sp>
+        <p:nvSpPr>
+          <p:cNvPr id="20" name="CasellaDiTesto 19">
+            <a:extLst>
+              <a:ext uri="{FF2B5EF4-FFF2-40B4-BE49-F238E27FC236}">
+                <a16:creationId xmlns:a16="http://schemas.microsoft.com/office/drawing/2014/main" id="{F30ED55C-FCBC-58F1-01CF-D165317FC0F3}"/>
+              </a:ext>
+            </a:extLst>
+          </p:cNvPr>
+          <p:cNvSpPr txBox="1"/>
+          <p:nvPr/>
+        </p:nvSpPr>
+        <p:spPr>
+          <a:xfrm>
+            <a:off x="8767180" y="2852572"/>
+            <a:ext cx="2817845" cy="369332"/>
+          </a:xfrm>
+          <a:prstGeom prst="rect">
+            <a:avLst/>
+          </a:prstGeom>
+          <a:noFill/>
+        </p:spPr>
+        <p:txBody>
+          <a:bodyPr wrap="square" rtlCol="0">
+            <a:spAutoFit/>
+          </a:bodyPr>
+          <a:lstStyle/>
+          <a:p>
+            <a:pPr algn="ctr"/>
+            <a:r>
+              <a:rPr lang="en-US" dirty="0" err="1"/>
+              <a:t>Infomap</a:t>
+            </a:r>
+            <a:endParaRPr lang="it-IT" dirty="0"/>
+          </a:p>
+        </p:txBody>
+      </p:sp>
+    </p:spTree>
+    <p:extLst>
+      <p:ext uri="{BB962C8B-B14F-4D97-AF65-F5344CB8AC3E}">
+        <p14:creationId xmlns:p14="http://schemas.microsoft.com/office/powerpoint/2010/main" val="486763196"/>
       </p:ext>
     </p:extLst>
   </p:cSld>
@@ -6148,6 +7970,425 @@
     <p:extLst>
       <p:ext uri="{BB962C8B-B14F-4D97-AF65-F5344CB8AC3E}">
         <p14:creationId xmlns:p14="http://schemas.microsoft.com/office/powerpoint/2010/main" val="2806341576"/>
+      </p:ext>
+    </p:extLst>
+  </p:cSld>
+  <p:clrMapOvr>
+    <a:masterClrMapping/>
+  </p:clrMapOvr>
+</p:sld>
+</file>
+
+<file path=ppt/slides/slide20.xml><?xml version="1.0" encoding="utf-8"?>
+<p:sld xmlns:a="http://schemas.openxmlformats.org/drawingml/2006/main" xmlns:r="http://schemas.openxmlformats.org/officeDocument/2006/relationships" xmlns:p="http://schemas.openxmlformats.org/presentationml/2006/main">
+  <p:cSld>
+    <p:bg>
+      <p:bgPr>
+        <a:solidFill>
+          <a:schemeClr val="bg1"/>
+        </a:solidFill>
+        <a:effectLst/>
+      </p:bgPr>
+    </p:bg>
+    <p:spTree>
+      <p:nvGrpSpPr>
+        <p:cNvPr id="1" name=""/>
+        <p:cNvGrpSpPr/>
+        <p:nvPr/>
+      </p:nvGrpSpPr>
+      <p:grpSpPr>
+        <a:xfrm>
+          <a:off x="0" y="0"/>
+          <a:ext cx="0" cy="0"/>
+          <a:chOff x="0" y="0"/>
+          <a:chExt cx="0" cy="0"/>
+        </a:xfrm>
+      </p:grpSpPr>
+      <p:sp useBgFill="1">
+        <p:nvSpPr>
+          <p:cNvPr id="16" name="Rectangle 15">
+            <a:extLst>
+              <a:ext uri="{FF2B5EF4-FFF2-40B4-BE49-F238E27FC236}">
+                <a16:creationId xmlns:a16="http://schemas.microsoft.com/office/drawing/2014/main" id="{70155189-D96C-4527-B0EC-654B946BE615}"/>
+              </a:ext>
+              <a:ext uri="{C183D7F6-B498-43B3-948B-1728B52AA6E4}">
+                <adec:decorative xmlns:adec="http://schemas.microsoft.com/office/drawing/2017/decorative" val="1"/>
+              </a:ext>
+            </a:extLst>
+          </p:cNvPr>
+          <p:cNvSpPr>
+            <a:spLocks noGrp="1" noRot="1" noChangeAspect="1" noMove="1" noResize="1" noEditPoints="1" noAdjustHandles="1" noChangeArrowheads="1" noChangeShapeType="1" noTextEdit="1"/>
+          </p:cNvSpPr>
+          <p:nvPr>
+            <p:extLst>
+              <p:ext uri="{386F3935-93C4-4BCD-93E2-E3B085C9AB24}">
+                <p16:designElem xmlns:p16="http://schemas.microsoft.com/office/powerpoint/2015/main" val="1"/>
+              </p:ext>
+            </p:extLst>
+          </p:nvPr>
+        </p:nvSpPr>
+        <p:spPr>
+          <a:xfrm>
+            <a:off x="-1" y="0"/>
+            <a:ext cx="12188952" cy="6858000"/>
+          </a:xfrm>
+          <a:prstGeom prst="rect">
+            <a:avLst/>
+          </a:prstGeom>
+          <a:ln>
+            <a:noFill/>
+          </a:ln>
+        </p:spPr>
+        <p:style>
+          <a:lnRef idx="2">
+            <a:schemeClr val="accent1">
+              <a:shade val="50000"/>
+            </a:schemeClr>
+          </a:lnRef>
+          <a:fillRef idx="1">
+            <a:schemeClr val="accent1"/>
+          </a:fillRef>
+          <a:effectRef idx="0">
+            <a:schemeClr val="accent1"/>
+          </a:effectRef>
+          <a:fontRef idx="minor">
+            <a:schemeClr val="lt1"/>
+          </a:fontRef>
+        </p:style>
+        <p:txBody>
+          <a:bodyPr rtlCol="0" anchor="ctr"/>
+          <a:lstStyle/>
+          <a:p>
+            <a:pPr algn="ctr"/>
+            <a:endParaRPr lang="en-US"/>
+          </a:p>
+        </p:txBody>
+      </p:sp>
+      <p:sp>
+        <p:nvSpPr>
+          <p:cNvPr id="15" name="CasellaDiTesto 14">
+            <a:extLst>
+              <a:ext uri="{FF2B5EF4-FFF2-40B4-BE49-F238E27FC236}">
+                <a16:creationId xmlns:a16="http://schemas.microsoft.com/office/drawing/2014/main" id="{BD7C613C-1214-8C01-E592-3490771DF823}"/>
+              </a:ext>
+            </a:extLst>
+          </p:cNvPr>
+          <p:cNvSpPr txBox="1"/>
+          <p:nvPr/>
+        </p:nvSpPr>
+        <p:spPr>
+          <a:xfrm>
+            <a:off x="368717" y="5163987"/>
+            <a:ext cx="7431115" cy="1446550"/>
+          </a:xfrm>
+          <a:prstGeom prst="rect">
+            <a:avLst/>
+          </a:prstGeom>
+          <a:noFill/>
+        </p:spPr>
+        <p:txBody>
+          <a:bodyPr wrap="square">
+            <a:spAutoFit/>
+          </a:bodyPr>
+          <a:lstStyle/>
+          <a:p>
+            <a:r>
+              <a:rPr lang="it-IT" sz="1100" dirty="0"/>
+              <a:t>Label </a:t>
+            </a:r>
+            <a:r>
+              <a:rPr lang="it-IT" sz="1100" dirty="0" err="1"/>
+              <a:t>Propagation</a:t>
+            </a:r>
+            <a:r>
+              <a:rPr lang="it-IT" sz="1100" dirty="0"/>
+              <a:t> rileva comunità con un'ampia gamma di densità interne, da molto alte a molto basse. Questo potrebbe indicare che alcune comunità sono molto ben definite mentre altre sono meno coese.</a:t>
+            </a:r>
+          </a:p>
+          <a:p>
+            <a:endParaRPr lang="it-IT" sz="1100" dirty="0"/>
+          </a:p>
+          <a:p>
+            <a:r>
+              <a:rPr lang="it-IT" sz="1100" dirty="0" err="1"/>
+              <a:t>Louvain</a:t>
+            </a:r>
+            <a:r>
+              <a:rPr lang="it-IT" sz="1100" dirty="0"/>
+              <a:t> rileva comunità con densità interne molto elevate e uniformi, confermando la sua capacità di creare comunità ben definite e dense.</a:t>
+            </a:r>
+          </a:p>
+          <a:p>
+            <a:endParaRPr lang="it-IT" sz="1100" dirty="0"/>
+          </a:p>
+          <a:p>
+            <a:r>
+              <a:rPr lang="it-IT" sz="1100" dirty="0" err="1"/>
+              <a:t>Infomap</a:t>
+            </a:r>
+            <a:r>
+              <a:rPr lang="it-IT" sz="1100" dirty="0"/>
+              <a:t> rileva comunità con una varietà di densità interne, riflettendo la sua capacità di catturare strutture più complesse e gerarchiche.</a:t>
+            </a:r>
+          </a:p>
+        </p:txBody>
+      </p:sp>
+      <p:sp>
+        <p:nvSpPr>
+          <p:cNvPr id="18" name="Titolo 1">
+            <a:extLst>
+              <a:ext uri="{FF2B5EF4-FFF2-40B4-BE49-F238E27FC236}">
+                <a16:creationId xmlns:a16="http://schemas.microsoft.com/office/drawing/2014/main" id="{3323BA77-0722-9279-F5DD-77B017FA3FC4}"/>
+              </a:ext>
+            </a:extLst>
+          </p:cNvPr>
+          <p:cNvSpPr>
+            <a:spLocks noGrp="1"/>
+          </p:cNvSpPr>
+          <p:nvPr>
+            <p:ph type="title"/>
+          </p:nvPr>
+        </p:nvSpPr>
+        <p:spPr>
+          <a:xfrm>
+            <a:off x="838200" y="365125"/>
+            <a:ext cx="10515600" cy="1325563"/>
+          </a:xfrm>
+        </p:spPr>
+        <p:txBody>
+          <a:bodyPr/>
+          <a:lstStyle/>
+          <a:p>
+            <a:pPr algn="ctr"/>
+            <a:r>
+              <a:rPr lang="it-IT" dirty="0">
+                <a:solidFill>
+                  <a:srgbClr val="0070C0"/>
+                </a:solidFill>
+              </a:rPr>
+              <a:t>Community </a:t>
+            </a:r>
+            <a:r>
+              <a:rPr lang="it-IT" dirty="0" err="1">
+                <a:solidFill>
+                  <a:srgbClr val="0070C0"/>
+                </a:solidFill>
+              </a:rPr>
+              <a:t>detection</a:t>
+            </a:r>
+            <a:endParaRPr lang="it-IT" dirty="0">
+              <a:solidFill>
+                <a:srgbClr val="0070C0"/>
+              </a:solidFill>
+            </a:endParaRPr>
+          </a:p>
+        </p:txBody>
+      </p:sp>
+      <p:pic>
+        <p:nvPicPr>
+          <p:cNvPr id="3" name="Immagine 2">
+            <a:extLst>
+              <a:ext uri="{FF2B5EF4-FFF2-40B4-BE49-F238E27FC236}">
+                <a16:creationId xmlns:a16="http://schemas.microsoft.com/office/drawing/2014/main" id="{FE0D3D5C-DBF4-29EF-9EEE-9B2DCB923880}"/>
+              </a:ext>
+            </a:extLst>
+          </p:cNvPr>
+          <p:cNvPicPr>
+            <a:picLocks noChangeAspect="1"/>
+          </p:cNvPicPr>
+          <p:nvPr/>
+        </p:nvPicPr>
+        <p:blipFill>
+          <a:blip r:embed="rId3"/>
+          <a:stretch>
+            <a:fillRect/>
+          </a:stretch>
+        </p:blipFill>
+        <p:spPr>
+          <a:xfrm>
+            <a:off x="838200" y="1731365"/>
+            <a:ext cx="4265985" cy="3185159"/>
+          </a:xfrm>
+          <a:prstGeom prst="rect">
+            <a:avLst/>
+          </a:prstGeom>
+        </p:spPr>
+      </p:pic>
+      <p:pic>
+        <p:nvPicPr>
+          <p:cNvPr id="5" name="Immagine 4">
+            <a:extLst>
+              <a:ext uri="{FF2B5EF4-FFF2-40B4-BE49-F238E27FC236}">
+                <a16:creationId xmlns:a16="http://schemas.microsoft.com/office/drawing/2014/main" id="{3CC8D141-FF9A-7174-2282-0F20BABFEE6E}"/>
+              </a:ext>
+            </a:extLst>
+          </p:cNvPr>
+          <p:cNvPicPr>
+            <a:picLocks noChangeAspect="1"/>
+          </p:cNvPicPr>
+          <p:nvPr/>
+        </p:nvPicPr>
+        <p:blipFill>
+          <a:blip r:embed="rId4"/>
+          <a:stretch>
+            <a:fillRect/>
+          </a:stretch>
+        </p:blipFill>
+        <p:spPr>
+          <a:xfrm>
+            <a:off x="7557068" y="1685857"/>
+            <a:ext cx="3940747" cy="3854348"/>
+          </a:xfrm>
+          <a:prstGeom prst="rect">
+            <a:avLst/>
+          </a:prstGeom>
+        </p:spPr>
+      </p:pic>
+      <p:sp>
+        <p:nvSpPr>
+          <p:cNvPr id="6" name="CasellaDiTesto 5">
+            <a:extLst>
+              <a:ext uri="{FF2B5EF4-FFF2-40B4-BE49-F238E27FC236}">
+                <a16:creationId xmlns:a16="http://schemas.microsoft.com/office/drawing/2014/main" id="{929FA7F4-823E-A838-07E6-456005C4C673}"/>
+              </a:ext>
+            </a:extLst>
+          </p:cNvPr>
+          <p:cNvSpPr txBox="1"/>
+          <p:nvPr/>
+        </p:nvSpPr>
+        <p:spPr>
+          <a:xfrm>
+            <a:off x="1344168" y="1413001"/>
+            <a:ext cx="3940746" cy="307777"/>
+          </a:xfrm>
+          <a:prstGeom prst="rect">
+            <a:avLst/>
+          </a:prstGeom>
+          <a:noFill/>
+        </p:spPr>
+        <p:txBody>
+          <a:bodyPr wrap="square" rtlCol="0">
+            <a:spAutoFit/>
+          </a:bodyPr>
+          <a:lstStyle/>
+          <a:p>
+            <a:r>
+              <a:rPr lang="it-IT" sz="1400" dirty="0"/>
+              <a:t>Come la fitness si distribuisce nelle comunità</a:t>
+            </a:r>
+          </a:p>
+        </p:txBody>
+      </p:sp>
+      <p:sp>
+        <p:nvSpPr>
+          <p:cNvPr id="7" name="CasellaDiTesto 6">
+            <a:extLst>
+              <a:ext uri="{FF2B5EF4-FFF2-40B4-BE49-F238E27FC236}">
+                <a16:creationId xmlns:a16="http://schemas.microsoft.com/office/drawing/2014/main" id="{36B4C5E8-E1B0-7869-ED61-0FE67BAFC2E6}"/>
+              </a:ext>
+            </a:extLst>
+          </p:cNvPr>
+          <p:cNvSpPr txBox="1"/>
+          <p:nvPr/>
+        </p:nvSpPr>
+        <p:spPr>
+          <a:xfrm>
+            <a:off x="7542366" y="1413001"/>
+            <a:ext cx="3940746" cy="307777"/>
+          </a:xfrm>
+          <a:prstGeom prst="rect">
+            <a:avLst/>
+          </a:prstGeom>
+          <a:noFill/>
+        </p:spPr>
+        <p:txBody>
+          <a:bodyPr wrap="square" rtlCol="0">
+            <a:spAutoFit/>
+          </a:bodyPr>
+          <a:lstStyle/>
+          <a:p>
+            <a:pPr algn="ctr"/>
+            <a:r>
+              <a:rPr lang="it-IT" sz="1400" dirty="0"/>
+              <a:t>Matrice di </a:t>
+            </a:r>
+            <a:r>
+              <a:rPr lang="it-IT" sz="1400" dirty="0" err="1"/>
+              <a:t>similirità</a:t>
+            </a:r>
+            <a:endParaRPr lang="it-IT" sz="1400" dirty="0"/>
+          </a:p>
+        </p:txBody>
+      </p:sp>
+      <p:sp>
+        <p:nvSpPr>
+          <p:cNvPr id="9" name="CasellaDiTesto 8">
+            <a:extLst>
+              <a:ext uri="{FF2B5EF4-FFF2-40B4-BE49-F238E27FC236}">
+                <a16:creationId xmlns:a16="http://schemas.microsoft.com/office/drawing/2014/main" id="{263C8523-578E-829B-5E56-43C752B57A1F}"/>
+              </a:ext>
+            </a:extLst>
+          </p:cNvPr>
+          <p:cNvSpPr txBox="1"/>
+          <p:nvPr/>
+        </p:nvSpPr>
+        <p:spPr>
+          <a:xfrm>
+            <a:off x="8339328" y="5475828"/>
+            <a:ext cx="2889504" cy="830997"/>
+          </a:xfrm>
+          <a:prstGeom prst="rect">
+            <a:avLst/>
+          </a:prstGeom>
+          <a:noFill/>
+        </p:spPr>
+        <p:txBody>
+          <a:bodyPr wrap="square" rtlCol="0">
+            <a:spAutoFit/>
+          </a:bodyPr>
+          <a:lstStyle/>
+          <a:p>
+            <a:pPr algn="ctr"/>
+            <a:r>
+              <a:rPr lang="it-IT" sz="1200" dirty="0"/>
+              <a:t>Label </a:t>
+            </a:r>
+            <a:r>
+              <a:rPr lang="it-IT" sz="1200" dirty="0" err="1"/>
+              <a:t>Propagation</a:t>
+            </a:r>
+            <a:r>
+              <a:rPr lang="it-IT" sz="1200" dirty="0"/>
+              <a:t> e </a:t>
+            </a:r>
+            <a:r>
+              <a:rPr lang="it-IT" sz="1200" dirty="0" err="1"/>
+              <a:t>Louvain</a:t>
+            </a:r>
+            <a:r>
+              <a:rPr lang="it-IT" sz="1200" dirty="0"/>
+              <a:t> identificano comunità significativamente diverse rispetto a </a:t>
+            </a:r>
+            <a:r>
+              <a:rPr lang="it-IT" sz="1200" dirty="0" err="1"/>
+              <a:t>Infomap</a:t>
+            </a:r>
+            <a:r>
+              <a:rPr lang="it-IT" sz="1200" dirty="0"/>
+              <a:t>, che mostra una moderata somiglianza con </a:t>
+            </a:r>
+            <a:r>
+              <a:rPr lang="it-IT" sz="1200" dirty="0" err="1"/>
+              <a:t>Louvain</a:t>
+            </a:r>
+            <a:endParaRPr lang="it-IT" sz="1200" dirty="0"/>
+          </a:p>
+        </p:txBody>
+      </p:sp>
+    </p:spTree>
+    <p:extLst>
+      <p:ext uri="{BB962C8B-B14F-4D97-AF65-F5344CB8AC3E}">
+        <p14:creationId xmlns:p14="http://schemas.microsoft.com/office/powerpoint/2010/main" val="4023032818"/>
       </p:ext>
     </p:extLst>
   </p:cSld>
@@ -7667,4 +9908,319 @@
     </a:ext>
   </a:extLst>
 </a:theme>
+</file>
+
+<file path=ppt/theme/theme2.xml><?xml version="1.0" encoding="utf-8"?>
+<a:theme xmlns:a="http://schemas.openxmlformats.org/drawingml/2006/main" name="Tema di Office">
+  <a:themeElements>
+    <a:clrScheme name="Office">
+      <a:dk1>
+        <a:sysClr val="windowText" lastClr="000000"/>
+      </a:dk1>
+      <a:lt1>
+        <a:sysClr val="window" lastClr="FFFFFF"/>
+      </a:lt1>
+      <a:dk2>
+        <a:srgbClr val="0E2841"/>
+      </a:dk2>
+      <a:lt2>
+        <a:srgbClr val="E8E8E8"/>
+      </a:lt2>
+      <a:accent1>
+        <a:srgbClr val="156082"/>
+      </a:accent1>
+      <a:accent2>
+        <a:srgbClr val="E97132"/>
+      </a:accent2>
+      <a:accent3>
+        <a:srgbClr val="196B24"/>
+      </a:accent3>
+      <a:accent4>
+        <a:srgbClr val="0F9ED5"/>
+      </a:accent4>
+      <a:accent5>
+        <a:srgbClr val="A02B93"/>
+      </a:accent5>
+      <a:accent6>
+        <a:srgbClr val="4EA72E"/>
+      </a:accent6>
+      <a:hlink>
+        <a:srgbClr val="467886"/>
+      </a:hlink>
+      <a:folHlink>
+        <a:srgbClr val="96607D"/>
+      </a:folHlink>
+    </a:clrScheme>
+    <a:fontScheme name="Office">
+      <a:majorFont>
+        <a:latin typeface="Aptos Display" panose="02110004020202020204"/>
+        <a:ea typeface=""/>
+        <a:cs typeface=""/>
+        <a:font script="Jpan" typeface="游ゴシック Light"/>
+        <a:font script="Hang" typeface="맑은 고딕"/>
+        <a:font script="Hans" typeface="等线 Light"/>
+        <a:font script="Hant" typeface="新細明體"/>
+        <a:font script="Arab" typeface="Times New Roman"/>
+        <a:font script="Hebr" typeface="Times New Roman"/>
+        <a:font script="Thai" typeface="Angsana New"/>
+        <a:font script="Ethi" typeface="Nyala"/>
+        <a:font script="Beng" typeface="Vrinda"/>
+        <a:font script="Gujr" typeface="Shruti"/>
+        <a:font script="Khmr" typeface="MoolBoran"/>
+        <a:font script="Knda" typeface="Tunga"/>
+        <a:font script="Guru" typeface="Raavi"/>
+        <a:font script="Cans" typeface="Euphemia"/>
+        <a:font script="Cher" typeface="Plantagenet Cherokee"/>
+        <a:font script="Yiii" typeface="Microsoft Yi Baiti"/>
+        <a:font script="Tibt" typeface="Microsoft Himalaya"/>
+        <a:font script="Thaa" typeface="MV Boli"/>
+        <a:font script="Deva" typeface="Mangal"/>
+        <a:font script="Telu" typeface="Gautami"/>
+        <a:font script="Taml" typeface="Latha"/>
+        <a:font script="Syrc" typeface="Estrangelo Edessa"/>
+        <a:font script="Orya" typeface="Kalinga"/>
+        <a:font script="Mlym" typeface="Kartika"/>
+        <a:font script="Laoo" typeface="DokChampa"/>
+        <a:font script="Sinh" typeface="Iskoola Pota"/>
+        <a:font script="Mong" typeface="Mongolian Baiti"/>
+        <a:font script="Viet" typeface="Times New Roman"/>
+        <a:font script="Uigh" typeface="Microsoft Uighur"/>
+        <a:font script="Geor" typeface="Sylfaen"/>
+        <a:font script="Armn" typeface="Arial"/>
+        <a:font script="Bugi" typeface="Leelawadee UI"/>
+        <a:font script="Bopo" typeface="Microsoft JhengHei"/>
+        <a:font script="Java" typeface="Javanese Text"/>
+        <a:font script="Lisu" typeface="Segoe UI"/>
+        <a:font script="Mymr" typeface="Myanmar Text"/>
+        <a:font script="Nkoo" typeface="Ebrima"/>
+        <a:font script="Olck" typeface="Nirmala UI"/>
+        <a:font script="Osma" typeface="Ebrima"/>
+        <a:font script="Phag" typeface="Phagspa"/>
+        <a:font script="Syrn" typeface="Estrangelo Edessa"/>
+        <a:font script="Syrj" typeface="Estrangelo Edessa"/>
+        <a:font script="Syre" typeface="Estrangelo Edessa"/>
+        <a:font script="Sora" typeface="Nirmala UI"/>
+        <a:font script="Tale" typeface="Microsoft Tai Le"/>
+        <a:font script="Talu" typeface="Microsoft New Tai Lue"/>
+        <a:font script="Tfng" typeface="Ebrima"/>
+      </a:majorFont>
+      <a:minorFont>
+        <a:latin typeface="Aptos" panose="02110004020202020204"/>
+        <a:ea typeface=""/>
+        <a:cs typeface=""/>
+        <a:font script="Jpan" typeface="游ゴシック"/>
+        <a:font script="Hang" typeface="맑은 고딕"/>
+        <a:font script="Hans" typeface="等线"/>
+        <a:font script="Hant" typeface="新細明體"/>
+        <a:font script="Arab" typeface="Arial"/>
+        <a:font script="Hebr" typeface="Arial"/>
+        <a:font script="Thai" typeface="Cordia New"/>
+        <a:font script="Ethi" typeface="Nyala"/>
+        <a:font script="Beng" typeface="Vrinda"/>
+        <a:font script="Gujr" typeface="Shruti"/>
+        <a:font script="Khmr" typeface="DaunPenh"/>
+        <a:font script="Knda" typeface="Tunga"/>
+        <a:font script="Guru" typeface="Raavi"/>
+        <a:font script="Cans" typeface="Euphemia"/>
+        <a:font script="Cher" typeface="Plantagenet Cherokee"/>
+        <a:font script="Yiii" typeface="Microsoft Yi Baiti"/>
+        <a:font script="Tibt" typeface="Microsoft Himalaya"/>
+        <a:font script="Thaa" typeface="MV Boli"/>
+        <a:font script="Deva" typeface="Mangal"/>
+        <a:font script="Telu" typeface="Gautami"/>
+        <a:font script="Taml" typeface="Latha"/>
+        <a:font script="Syrc" typeface="Estrangelo Edessa"/>
+        <a:font script="Orya" typeface="Kalinga"/>
+        <a:font script="Mlym" typeface="Kartika"/>
+        <a:font script="Laoo" typeface="DokChampa"/>
+        <a:font script="Sinh" typeface="Iskoola Pota"/>
+        <a:font script="Mong" typeface="Mongolian Baiti"/>
+        <a:font script="Viet" typeface="Arial"/>
+        <a:font script="Uigh" typeface="Microsoft Uighur"/>
+        <a:font script="Geor" typeface="Sylfaen"/>
+        <a:font script="Armn" typeface="Arial"/>
+        <a:font script="Bugi" typeface="Leelawadee UI"/>
+        <a:font script="Bopo" typeface="Microsoft JhengHei"/>
+        <a:font script="Java" typeface="Javanese Text"/>
+        <a:font script="Lisu" typeface="Segoe UI"/>
+        <a:font script="Mymr" typeface="Myanmar Text"/>
+        <a:font script="Nkoo" typeface="Ebrima"/>
+        <a:font script="Olck" typeface="Nirmala UI"/>
+        <a:font script="Osma" typeface="Ebrima"/>
+        <a:font script="Phag" typeface="Phagspa"/>
+        <a:font script="Syrn" typeface="Estrangelo Edessa"/>
+        <a:font script="Syrj" typeface="Estrangelo Edessa"/>
+        <a:font script="Syre" typeface="Estrangelo Edessa"/>
+        <a:font script="Sora" typeface="Nirmala UI"/>
+        <a:font script="Tale" typeface="Microsoft Tai Le"/>
+        <a:font script="Talu" typeface="Microsoft New Tai Lue"/>
+        <a:font script="Tfng" typeface="Ebrima"/>
+      </a:minorFont>
+    </a:fontScheme>
+    <a:fmtScheme name="Office">
+      <a:fillStyleLst>
+        <a:solidFill>
+          <a:schemeClr val="phClr"/>
+        </a:solidFill>
+        <a:gradFill rotWithShape="1">
+          <a:gsLst>
+            <a:gs pos="0">
+              <a:schemeClr val="phClr">
+                <a:lumMod val="110000"/>
+                <a:satMod val="105000"/>
+                <a:tint val="67000"/>
+              </a:schemeClr>
+            </a:gs>
+            <a:gs pos="50000">
+              <a:schemeClr val="phClr">
+                <a:lumMod val="105000"/>
+                <a:satMod val="103000"/>
+                <a:tint val="73000"/>
+              </a:schemeClr>
+            </a:gs>
+            <a:gs pos="100000">
+              <a:schemeClr val="phClr">
+                <a:lumMod val="105000"/>
+                <a:satMod val="109000"/>
+                <a:tint val="81000"/>
+              </a:schemeClr>
+            </a:gs>
+          </a:gsLst>
+          <a:lin ang="5400000" scaled="0"/>
+        </a:gradFill>
+        <a:gradFill rotWithShape="1">
+          <a:gsLst>
+            <a:gs pos="0">
+              <a:schemeClr val="phClr">
+                <a:satMod val="103000"/>
+                <a:lumMod val="102000"/>
+                <a:tint val="94000"/>
+              </a:schemeClr>
+            </a:gs>
+            <a:gs pos="50000">
+              <a:schemeClr val="phClr">
+                <a:satMod val="110000"/>
+                <a:lumMod val="100000"/>
+                <a:shade val="100000"/>
+              </a:schemeClr>
+            </a:gs>
+            <a:gs pos="100000">
+              <a:schemeClr val="phClr">
+                <a:lumMod val="99000"/>
+                <a:satMod val="120000"/>
+                <a:shade val="78000"/>
+              </a:schemeClr>
+            </a:gs>
+          </a:gsLst>
+          <a:lin ang="5400000" scaled="0"/>
+        </a:gradFill>
+      </a:fillStyleLst>
+      <a:lnStyleLst>
+        <a:ln w="12700" cap="flat" cmpd="sng" algn="ctr">
+          <a:solidFill>
+            <a:schemeClr val="phClr"/>
+          </a:solidFill>
+          <a:prstDash val="solid"/>
+          <a:miter lim="800000"/>
+        </a:ln>
+        <a:ln w="19050" cap="flat" cmpd="sng" algn="ctr">
+          <a:solidFill>
+            <a:schemeClr val="phClr"/>
+          </a:solidFill>
+          <a:prstDash val="solid"/>
+          <a:miter lim="800000"/>
+        </a:ln>
+        <a:ln w="25400" cap="flat" cmpd="sng" algn="ctr">
+          <a:solidFill>
+            <a:schemeClr val="phClr"/>
+          </a:solidFill>
+          <a:prstDash val="solid"/>
+          <a:miter lim="800000"/>
+        </a:ln>
+      </a:lnStyleLst>
+      <a:effectStyleLst>
+        <a:effectStyle>
+          <a:effectLst/>
+        </a:effectStyle>
+        <a:effectStyle>
+          <a:effectLst/>
+        </a:effectStyle>
+        <a:effectStyle>
+          <a:effectLst>
+            <a:outerShdw blurRad="57150" dist="19050" dir="5400000" algn="ctr" rotWithShape="0">
+              <a:srgbClr val="000000">
+                <a:alpha val="63000"/>
+              </a:srgbClr>
+            </a:outerShdw>
+          </a:effectLst>
+        </a:effectStyle>
+      </a:effectStyleLst>
+      <a:bgFillStyleLst>
+        <a:solidFill>
+          <a:schemeClr val="phClr"/>
+        </a:solidFill>
+        <a:solidFill>
+          <a:schemeClr val="phClr">
+            <a:tint val="95000"/>
+            <a:satMod val="170000"/>
+          </a:schemeClr>
+        </a:solidFill>
+        <a:gradFill rotWithShape="1">
+          <a:gsLst>
+            <a:gs pos="0">
+              <a:schemeClr val="phClr">
+                <a:tint val="93000"/>
+                <a:satMod val="150000"/>
+                <a:shade val="98000"/>
+                <a:lumMod val="102000"/>
+              </a:schemeClr>
+            </a:gs>
+            <a:gs pos="50000">
+              <a:schemeClr val="phClr">
+                <a:tint val="98000"/>
+                <a:satMod val="130000"/>
+                <a:shade val="90000"/>
+                <a:lumMod val="103000"/>
+              </a:schemeClr>
+            </a:gs>
+            <a:gs pos="100000">
+              <a:schemeClr val="phClr">
+                <a:shade val="63000"/>
+                <a:satMod val="120000"/>
+              </a:schemeClr>
+            </a:gs>
+          </a:gsLst>
+          <a:lin ang="5400000" scaled="0"/>
+        </a:gradFill>
+      </a:bgFillStyleLst>
+    </a:fmtScheme>
+  </a:themeElements>
+  <a:objectDefaults>
+    <a:lnDef>
+      <a:spPr/>
+      <a:bodyPr/>
+      <a:lstStyle/>
+      <a:style>
+        <a:lnRef idx="2">
+          <a:schemeClr val="accent1"/>
+        </a:lnRef>
+        <a:fillRef idx="0">
+          <a:schemeClr val="accent1"/>
+        </a:fillRef>
+        <a:effectRef idx="1">
+          <a:schemeClr val="accent1"/>
+        </a:effectRef>
+        <a:fontRef idx="minor">
+          <a:schemeClr val="tx1"/>
+        </a:fontRef>
+      </a:style>
+    </a:lnDef>
+  </a:objectDefaults>
+  <a:extraClrSchemeLst/>
+  <a:extLst>
+    <a:ext uri="{05A4C25C-085E-4340-85A3-A5531E510DB2}">
+      <thm15:themeFamily xmlns:thm15="http://schemas.microsoft.com/office/thememl/2012/main" name="Office Theme" id="{2E142A2C-CD16-42D6-873A-C26D2A0506FA}" vid="{1BDDFF52-6CD6-40A5-AB3C-68EB2F1E4D0A}"/>
+    </a:ext>
+  </a:extLst>
+</a:theme>
 </file>
--- a/Presentation_Group_6.pptx
+++ b/Presentation_Group_6.pptx
@@ -231,7 +231,7 @@
           <a:p>
             <a:fld id="{41C9D4F0-F449-4346-9603-92ED730A6AF6}" type="datetimeFigureOut">
               <a:rPr lang="it-IT" smtClean="0"/>
-              <a:t>29/06/24</a:t>
+              <a:t>29/06/2024</a:t>
             </a:fld>
             <a:endParaRPr lang="it-IT"/>
           </a:p>
@@ -389,7 +389,7 @@
           <a:p>
             <a:fld id="{827A5EB5-EB62-4047-91ED-45520A7DA98D}" type="slidenum">
               <a:rPr lang="it-IT" smtClean="0"/>
-              <a:t>‹#›</a:t>
+              <a:t>‹N›</a:t>
             </a:fld>
             <a:endParaRPr lang="it-IT"/>
           </a:p>
@@ -813,7 +813,7 @@
           <a:p>
             <a:fld id="{7ED2B993-C4C1-41C6-8C99-445819C1984D}" type="datetimeFigureOut">
               <a:rPr lang="it-IT" smtClean="0"/>
-              <a:t>29/06/24</a:t>
+              <a:t>29/06/2024</a:t>
             </a:fld>
             <a:endParaRPr lang="it-IT"/>
           </a:p>
@@ -867,7 +867,7 @@
           <a:p>
             <a:fld id="{AAAD8286-9C37-404D-9FB3-CF441FB9582D}" type="slidenum">
               <a:rPr lang="it-IT" smtClean="0"/>
-              <a:t>‹#›</a:t>
+              <a:t>‹N›</a:t>
             </a:fld>
             <a:endParaRPr lang="it-IT"/>
           </a:p>
@@ -1011,7 +1011,7 @@
           <a:p>
             <a:fld id="{7ED2B993-C4C1-41C6-8C99-445819C1984D}" type="datetimeFigureOut">
               <a:rPr lang="it-IT" smtClean="0"/>
-              <a:t>29/06/24</a:t>
+              <a:t>29/06/2024</a:t>
             </a:fld>
             <a:endParaRPr lang="it-IT"/>
           </a:p>
@@ -1065,7 +1065,7 @@
           <a:p>
             <a:fld id="{AAAD8286-9C37-404D-9FB3-CF441FB9582D}" type="slidenum">
               <a:rPr lang="it-IT" smtClean="0"/>
-              <a:t>‹#›</a:t>
+              <a:t>‹N›</a:t>
             </a:fld>
             <a:endParaRPr lang="it-IT"/>
           </a:p>
@@ -1219,7 +1219,7 @@
           <a:p>
             <a:fld id="{7ED2B993-C4C1-41C6-8C99-445819C1984D}" type="datetimeFigureOut">
               <a:rPr lang="it-IT" smtClean="0"/>
-              <a:t>29/06/24</a:t>
+              <a:t>29/06/2024</a:t>
             </a:fld>
             <a:endParaRPr lang="it-IT"/>
           </a:p>
@@ -1273,7 +1273,7 @@
           <a:p>
             <a:fld id="{AAAD8286-9C37-404D-9FB3-CF441FB9582D}" type="slidenum">
               <a:rPr lang="it-IT" smtClean="0"/>
-              <a:t>‹#›</a:t>
+              <a:t>‹N›</a:t>
             </a:fld>
             <a:endParaRPr lang="it-IT"/>
           </a:p>
@@ -1417,7 +1417,7 @@
           <a:p>
             <a:fld id="{7ED2B993-C4C1-41C6-8C99-445819C1984D}" type="datetimeFigureOut">
               <a:rPr lang="it-IT" smtClean="0"/>
-              <a:t>29/06/24</a:t>
+              <a:t>29/06/2024</a:t>
             </a:fld>
             <a:endParaRPr lang="it-IT"/>
           </a:p>
@@ -1471,7 +1471,7 @@
           <a:p>
             <a:fld id="{AAAD8286-9C37-404D-9FB3-CF441FB9582D}" type="slidenum">
               <a:rPr lang="it-IT" smtClean="0"/>
-              <a:t>‹#›</a:t>
+              <a:t>‹N›</a:t>
             </a:fld>
             <a:endParaRPr lang="it-IT"/>
           </a:p>
@@ -1692,7 +1692,7 @@
           <a:p>
             <a:fld id="{7ED2B993-C4C1-41C6-8C99-445819C1984D}" type="datetimeFigureOut">
               <a:rPr lang="it-IT" smtClean="0"/>
-              <a:t>29/06/24</a:t>
+              <a:t>29/06/2024</a:t>
             </a:fld>
             <a:endParaRPr lang="it-IT"/>
           </a:p>
@@ -1746,7 +1746,7 @@
           <a:p>
             <a:fld id="{AAAD8286-9C37-404D-9FB3-CF441FB9582D}" type="slidenum">
               <a:rPr lang="it-IT" smtClean="0"/>
-              <a:t>‹#›</a:t>
+              <a:t>‹N›</a:t>
             </a:fld>
             <a:endParaRPr lang="it-IT"/>
           </a:p>
@@ -1957,7 +1957,7 @@
           <a:p>
             <a:fld id="{7ED2B993-C4C1-41C6-8C99-445819C1984D}" type="datetimeFigureOut">
               <a:rPr lang="it-IT" smtClean="0"/>
-              <a:t>29/06/24</a:t>
+              <a:t>29/06/2024</a:t>
             </a:fld>
             <a:endParaRPr lang="it-IT"/>
           </a:p>
@@ -2011,7 +2011,7 @@
           <a:p>
             <a:fld id="{AAAD8286-9C37-404D-9FB3-CF441FB9582D}" type="slidenum">
               <a:rPr lang="it-IT" smtClean="0"/>
-              <a:t>‹#›</a:t>
+              <a:t>‹N›</a:t>
             </a:fld>
             <a:endParaRPr lang="it-IT"/>
           </a:p>
@@ -2369,7 +2369,7 @@
           <a:p>
             <a:fld id="{7ED2B993-C4C1-41C6-8C99-445819C1984D}" type="datetimeFigureOut">
               <a:rPr lang="it-IT" smtClean="0"/>
-              <a:t>29/06/24</a:t>
+              <a:t>29/06/2024</a:t>
             </a:fld>
             <a:endParaRPr lang="it-IT"/>
           </a:p>
@@ -2423,7 +2423,7 @@
           <a:p>
             <a:fld id="{AAAD8286-9C37-404D-9FB3-CF441FB9582D}" type="slidenum">
               <a:rPr lang="it-IT" smtClean="0"/>
-              <a:t>‹#›</a:t>
+              <a:t>‹N›</a:t>
             </a:fld>
             <a:endParaRPr lang="it-IT"/>
           </a:p>
@@ -2510,7 +2510,7 @@
           <a:p>
             <a:fld id="{7ED2B993-C4C1-41C6-8C99-445819C1984D}" type="datetimeFigureOut">
               <a:rPr lang="it-IT" smtClean="0"/>
-              <a:t>29/06/24</a:t>
+              <a:t>29/06/2024</a:t>
             </a:fld>
             <a:endParaRPr lang="it-IT"/>
           </a:p>
@@ -2564,7 +2564,7 @@
           <a:p>
             <a:fld id="{AAAD8286-9C37-404D-9FB3-CF441FB9582D}" type="slidenum">
               <a:rPr lang="it-IT" smtClean="0"/>
-              <a:t>‹#›</a:t>
+              <a:t>‹N›</a:t>
             </a:fld>
             <a:endParaRPr lang="it-IT"/>
           </a:p>
@@ -2623,7 +2623,7 @@
           <a:p>
             <a:fld id="{7ED2B993-C4C1-41C6-8C99-445819C1984D}" type="datetimeFigureOut">
               <a:rPr lang="it-IT" smtClean="0"/>
-              <a:t>29/06/24</a:t>
+              <a:t>29/06/2024</a:t>
             </a:fld>
             <a:endParaRPr lang="it-IT"/>
           </a:p>
@@ -2677,7 +2677,7 @@
           <a:p>
             <a:fld id="{AAAD8286-9C37-404D-9FB3-CF441FB9582D}" type="slidenum">
               <a:rPr lang="it-IT" smtClean="0"/>
-              <a:t>‹#›</a:t>
+              <a:t>‹N›</a:t>
             </a:fld>
             <a:endParaRPr lang="it-IT"/>
           </a:p>
@@ -2934,7 +2934,7 @@
           <a:p>
             <a:fld id="{7ED2B993-C4C1-41C6-8C99-445819C1984D}" type="datetimeFigureOut">
               <a:rPr lang="it-IT" smtClean="0"/>
-              <a:t>29/06/24</a:t>
+              <a:t>29/06/2024</a:t>
             </a:fld>
             <a:endParaRPr lang="it-IT"/>
           </a:p>
@@ -2988,7 +2988,7 @@
           <a:p>
             <a:fld id="{AAAD8286-9C37-404D-9FB3-CF441FB9582D}" type="slidenum">
               <a:rPr lang="it-IT" smtClean="0"/>
-              <a:t>‹#›</a:t>
+              <a:t>‹N›</a:t>
             </a:fld>
             <a:endParaRPr lang="it-IT"/>
           </a:p>
@@ -3222,7 +3222,7 @@
           <a:p>
             <a:fld id="{7ED2B993-C4C1-41C6-8C99-445819C1984D}" type="datetimeFigureOut">
               <a:rPr lang="it-IT" smtClean="0"/>
-              <a:t>29/06/24</a:t>
+              <a:t>29/06/2024</a:t>
             </a:fld>
             <a:endParaRPr lang="it-IT"/>
           </a:p>
@@ -3276,7 +3276,7 @@
           <a:p>
             <a:fld id="{AAAD8286-9C37-404D-9FB3-CF441FB9582D}" type="slidenum">
               <a:rPr lang="it-IT" smtClean="0"/>
-              <a:t>‹#›</a:t>
+              <a:t>‹N›</a:t>
             </a:fld>
             <a:endParaRPr lang="it-IT"/>
           </a:p>
@@ -3463,7 +3463,7 @@
           <a:p>
             <a:fld id="{7ED2B993-C4C1-41C6-8C99-445819C1984D}" type="datetimeFigureOut">
               <a:rPr lang="it-IT" smtClean="0"/>
-              <a:t>29/06/24</a:t>
+              <a:t>29/06/2024</a:t>
             </a:fld>
             <a:endParaRPr lang="it-IT"/>
           </a:p>
@@ -3553,7 +3553,7 @@
           <a:p>
             <a:fld id="{AAAD8286-9C37-404D-9FB3-CF441FB9582D}" type="slidenum">
               <a:rPr lang="it-IT" smtClean="0"/>
-              <a:t>‹#›</a:t>
+              <a:t>‹N›</a:t>
             </a:fld>
             <a:endParaRPr lang="it-IT"/>
           </a:p>
@@ -4550,7 +4550,7 @@
             </a:r>
             <a:r>
               <a:rPr lang="it-IT" sz="2400" b="1" dirty="0" err="1"/>
-              <a:t>transitivity</a:t>
+              <a:t>Transitivity</a:t>
             </a:r>
             <a:r>
               <a:rPr lang="it-IT" sz="2400" b="1" dirty="0"/>
@@ -11044,7 +11044,7 @@
             </a:r>
             <a:r>
               <a:rPr lang="it-IT" sz="2400" b="1" dirty="0" err="1"/>
-              <a:t>transitivity</a:t>
+              <a:t>Transitivity</a:t>
             </a:r>
             <a:r>
               <a:rPr lang="it-IT" sz="2400" b="1" dirty="0"/>
